--- a/All-Hand-Meetings/AHM-10-14-2015/Presentations/SIRIUS_AHM-klasky.pptx
+++ b/All-Hand-Meetings/AHM-10-14-2015/Presentations/SIRIUS_AHM-klasky.pptx
@@ -7,6 +7,16 @@
   <p:sldIdLst>
     <p:sldId id="256" r:id="rId2"/>
     <p:sldId id="257" r:id="rId3"/>
+    <p:sldId id="264" r:id="rId4"/>
+    <p:sldId id="261" r:id="rId5"/>
+    <p:sldId id="259" r:id="rId6"/>
+    <p:sldId id="260" r:id="rId7"/>
+    <p:sldId id="263" r:id="rId8"/>
+    <p:sldId id="262" r:id="rId9"/>
+    <p:sldId id="265" r:id="rId10"/>
+    <p:sldId id="266" r:id="rId11"/>
+    <p:sldId id="267" r:id="rId12"/>
+    <p:sldId id="258" r:id="rId13"/>
   </p:sldIdLst>
   <p:sldSz cx="12192000" cy="6858000"/>
   <p:notesSz cx="6858000" cy="9144000"/>
@@ -105,6 +115,11 @@
       </a:defRPr>
     </a:lvl9pPr>
   </p:defaultTextStyle>
+  <p:extLst>
+    <p:ext uri="{EFAFB233-063F-42B5-8137-9DF3F51BA10A}">
+      <p15:sldGuideLst xmlns:p15="http://schemas.microsoft.com/office/powerpoint/2012/main"/>
+    </p:ext>
+  </p:extLst>
 </p:presentation>
 </file>
 
@@ -247,7 +262,7 @@
           <a:p>
             <a:fld id="{C821D732-482B-4034-9A01-AE0127AE26DC}" type="datetimeFigureOut">
               <a:rPr lang="en-US" smtClean="0"/>
-              <a:t>9/28/2015</a:t>
+              <a:t>10/18/2015</a:t>
             </a:fld>
             <a:endParaRPr lang="en-US"/>
           </a:p>
@@ -355,404 +370,6 @@
     <p:extLst>
       <p:ext uri="{BB962C8B-B14F-4D97-AF65-F5344CB8AC3E}">
         <p14:creationId xmlns:p14="http://schemas.microsoft.com/office/powerpoint/2010/main" val="4207321113"/>
-      </p:ext>
-    </p:extLst>
-  </p:cSld>
-  <p:clrMapOvr>
-    <a:masterClrMapping/>
-  </p:clrMapOvr>
-</p:sldLayout>
-</file>
-
-<file path=ppt/slideLayouts/slideLayout10.xml><?xml version="1.0" encoding="utf-8"?>
-<p:sldLayout xmlns:a="http://schemas.openxmlformats.org/drawingml/2006/main" xmlns:r="http://schemas.openxmlformats.org/officeDocument/2006/relationships" xmlns:p="http://schemas.openxmlformats.org/presentationml/2006/main" type="vertTx" preserve="1">
-  <p:cSld name="Title and Vertical Text">
-    <p:spTree>
-      <p:nvGrpSpPr>
-        <p:cNvPr id="1" name=""/>
-        <p:cNvGrpSpPr/>
-        <p:nvPr/>
-      </p:nvGrpSpPr>
-      <p:grpSpPr>
-        <a:xfrm>
-          <a:off x="0" y="0"/>
-          <a:ext cx="0" cy="0"/>
-          <a:chOff x="0" y="0"/>
-          <a:chExt cx="0" cy="0"/>
-        </a:xfrm>
-      </p:grpSpPr>
-      <p:sp>
-        <p:nvSpPr>
-          <p:cNvPr id="2" name="Title 1"/>
-          <p:cNvSpPr>
-            <a:spLocks noGrp="1"/>
-          </p:cNvSpPr>
-          <p:nvPr>
-            <p:ph type="title"/>
-          </p:nvPr>
-        </p:nvSpPr>
-        <p:spPr/>
-        <p:txBody>
-          <a:bodyPr/>
-          <a:lstStyle/>
-          <a:p>
-            <a:r>
-              <a:rPr lang="en-US" smtClean="0"/>
-              <a:t>Click to edit Master title style</a:t>
-            </a:r>
-            <a:endParaRPr lang="en-US"/>
-          </a:p>
-        </p:txBody>
-      </p:sp>
-      <p:sp>
-        <p:nvSpPr>
-          <p:cNvPr id="3" name="Vertical Text Placeholder 2"/>
-          <p:cNvSpPr>
-            <a:spLocks noGrp="1"/>
-          </p:cNvSpPr>
-          <p:nvPr>
-            <p:ph type="body" orient="vert" idx="1"/>
-          </p:nvPr>
-        </p:nvSpPr>
-        <p:spPr/>
-        <p:txBody>
-          <a:bodyPr vert="eaVert"/>
-          <a:lstStyle/>
-          <a:p>
-            <a:pPr lvl="0"/>
-            <a:r>
-              <a:rPr lang="en-US" smtClean="0"/>
-              <a:t>Click to edit Master text styles</a:t>
-            </a:r>
-          </a:p>
-          <a:p>
-            <a:pPr lvl="1"/>
-            <a:r>
-              <a:rPr lang="en-US" smtClean="0"/>
-              <a:t>Second level</a:t>
-            </a:r>
-          </a:p>
-          <a:p>
-            <a:pPr lvl="2"/>
-            <a:r>
-              <a:rPr lang="en-US" smtClean="0"/>
-              <a:t>Third level</a:t>
-            </a:r>
-          </a:p>
-          <a:p>
-            <a:pPr lvl="3"/>
-            <a:r>
-              <a:rPr lang="en-US" smtClean="0"/>
-              <a:t>Fourth level</a:t>
-            </a:r>
-          </a:p>
-          <a:p>
-            <a:pPr lvl="4"/>
-            <a:r>
-              <a:rPr lang="en-US" smtClean="0"/>
-              <a:t>Fifth level</a:t>
-            </a:r>
-            <a:endParaRPr lang="en-US"/>
-          </a:p>
-        </p:txBody>
-      </p:sp>
-      <p:sp>
-        <p:nvSpPr>
-          <p:cNvPr id="4" name="Date Placeholder 3"/>
-          <p:cNvSpPr>
-            <a:spLocks noGrp="1"/>
-          </p:cNvSpPr>
-          <p:nvPr>
-            <p:ph type="dt" sz="half" idx="10"/>
-          </p:nvPr>
-        </p:nvSpPr>
-        <p:spPr>
-          <a:xfrm>
-            <a:off x="838200" y="6356350"/>
-            <a:ext cx="2743200" cy="365125"/>
-          </a:xfrm>
-          <a:prstGeom prst="rect">
-            <a:avLst/>
-          </a:prstGeom>
-        </p:spPr>
-        <p:txBody>
-          <a:bodyPr/>
-          <a:lstStyle/>
-          <a:p>
-            <a:fld id="{C821D732-482B-4034-9A01-AE0127AE26DC}" type="datetimeFigureOut">
-              <a:rPr lang="en-US" smtClean="0"/>
-              <a:t>9/28/2015</a:t>
-            </a:fld>
-            <a:endParaRPr lang="en-US"/>
-          </a:p>
-        </p:txBody>
-      </p:sp>
-      <p:sp>
-        <p:nvSpPr>
-          <p:cNvPr id="5" name="Footer Placeholder 4"/>
-          <p:cNvSpPr>
-            <a:spLocks noGrp="1"/>
-          </p:cNvSpPr>
-          <p:nvPr>
-            <p:ph type="ftr" sz="quarter" idx="11"/>
-          </p:nvPr>
-        </p:nvSpPr>
-        <p:spPr>
-          <a:xfrm>
-            <a:off x="4038600" y="6356350"/>
-            <a:ext cx="4114800" cy="365125"/>
-          </a:xfrm>
-          <a:prstGeom prst="rect">
-            <a:avLst/>
-          </a:prstGeom>
-        </p:spPr>
-        <p:txBody>
-          <a:bodyPr/>
-          <a:lstStyle/>
-          <a:p>
-            <a:endParaRPr lang="en-US"/>
-          </a:p>
-        </p:txBody>
-      </p:sp>
-      <p:sp>
-        <p:nvSpPr>
-          <p:cNvPr id="6" name="Slide Number Placeholder 5"/>
-          <p:cNvSpPr>
-            <a:spLocks noGrp="1"/>
-          </p:cNvSpPr>
-          <p:nvPr>
-            <p:ph type="sldNum" sz="quarter" idx="12"/>
-          </p:nvPr>
-        </p:nvSpPr>
-        <p:spPr>
-          <a:xfrm>
-            <a:off x="8610600" y="6356350"/>
-            <a:ext cx="2743200" cy="365125"/>
-          </a:xfrm>
-          <a:prstGeom prst="rect">
-            <a:avLst/>
-          </a:prstGeom>
-        </p:spPr>
-        <p:txBody>
-          <a:bodyPr/>
-          <a:lstStyle/>
-          <a:p>
-            <a:fld id="{124E5782-9529-4003-BF0D-01C23FAD9AED}" type="slidenum">
-              <a:rPr lang="en-US" smtClean="0"/>
-              <a:t>‹#›</a:t>
-            </a:fld>
-            <a:endParaRPr lang="en-US"/>
-          </a:p>
-        </p:txBody>
-      </p:sp>
-    </p:spTree>
-    <p:extLst>
-      <p:ext uri="{BB962C8B-B14F-4D97-AF65-F5344CB8AC3E}">
-        <p14:creationId xmlns:p14="http://schemas.microsoft.com/office/powerpoint/2010/main" val="2941777724"/>
-      </p:ext>
-    </p:extLst>
-  </p:cSld>
-  <p:clrMapOvr>
-    <a:masterClrMapping/>
-  </p:clrMapOvr>
-</p:sldLayout>
-</file>
-
-<file path=ppt/slideLayouts/slideLayout11.xml><?xml version="1.0" encoding="utf-8"?>
-<p:sldLayout xmlns:a="http://schemas.openxmlformats.org/drawingml/2006/main" xmlns:r="http://schemas.openxmlformats.org/officeDocument/2006/relationships" xmlns:p="http://schemas.openxmlformats.org/presentationml/2006/main" type="vertTitleAndTx" preserve="1">
-  <p:cSld name="Vertical Title and Text">
-    <p:spTree>
-      <p:nvGrpSpPr>
-        <p:cNvPr id="1" name=""/>
-        <p:cNvGrpSpPr/>
-        <p:nvPr/>
-      </p:nvGrpSpPr>
-      <p:grpSpPr>
-        <a:xfrm>
-          <a:off x="0" y="0"/>
-          <a:ext cx="0" cy="0"/>
-          <a:chOff x="0" y="0"/>
-          <a:chExt cx="0" cy="0"/>
-        </a:xfrm>
-      </p:grpSpPr>
-      <p:sp>
-        <p:nvSpPr>
-          <p:cNvPr id="2" name="Vertical Title 1"/>
-          <p:cNvSpPr>
-            <a:spLocks noGrp="1"/>
-          </p:cNvSpPr>
-          <p:nvPr>
-            <p:ph type="title" orient="vert"/>
-          </p:nvPr>
-        </p:nvSpPr>
-        <p:spPr>
-          <a:xfrm>
-            <a:off x="8724900" y="365125"/>
-            <a:ext cx="2628900" cy="5811838"/>
-          </a:xfrm>
-        </p:spPr>
-        <p:txBody>
-          <a:bodyPr vert="eaVert"/>
-          <a:lstStyle/>
-          <a:p>
-            <a:r>
-              <a:rPr lang="en-US" smtClean="0"/>
-              <a:t>Click to edit Master title style</a:t>
-            </a:r>
-            <a:endParaRPr lang="en-US"/>
-          </a:p>
-        </p:txBody>
-      </p:sp>
-      <p:sp>
-        <p:nvSpPr>
-          <p:cNvPr id="3" name="Vertical Text Placeholder 2"/>
-          <p:cNvSpPr>
-            <a:spLocks noGrp="1"/>
-          </p:cNvSpPr>
-          <p:nvPr>
-            <p:ph type="body" orient="vert" idx="1"/>
-          </p:nvPr>
-        </p:nvSpPr>
-        <p:spPr>
-          <a:xfrm>
-            <a:off x="838200" y="365125"/>
-            <a:ext cx="7734300" cy="5811838"/>
-          </a:xfrm>
-        </p:spPr>
-        <p:txBody>
-          <a:bodyPr vert="eaVert"/>
-          <a:lstStyle/>
-          <a:p>
-            <a:pPr lvl="0"/>
-            <a:r>
-              <a:rPr lang="en-US" smtClean="0"/>
-              <a:t>Click to edit Master text styles</a:t>
-            </a:r>
-          </a:p>
-          <a:p>
-            <a:pPr lvl="1"/>
-            <a:r>
-              <a:rPr lang="en-US" smtClean="0"/>
-              <a:t>Second level</a:t>
-            </a:r>
-          </a:p>
-          <a:p>
-            <a:pPr lvl="2"/>
-            <a:r>
-              <a:rPr lang="en-US" smtClean="0"/>
-              <a:t>Third level</a:t>
-            </a:r>
-          </a:p>
-          <a:p>
-            <a:pPr lvl="3"/>
-            <a:r>
-              <a:rPr lang="en-US" smtClean="0"/>
-              <a:t>Fourth level</a:t>
-            </a:r>
-          </a:p>
-          <a:p>
-            <a:pPr lvl="4"/>
-            <a:r>
-              <a:rPr lang="en-US" smtClean="0"/>
-              <a:t>Fifth level</a:t>
-            </a:r>
-            <a:endParaRPr lang="en-US"/>
-          </a:p>
-        </p:txBody>
-      </p:sp>
-      <p:sp>
-        <p:nvSpPr>
-          <p:cNvPr id="4" name="Date Placeholder 3"/>
-          <p:cNvSpPr>
-            <a:spLocks noGrp="1"/>
-          </p:cNvSpPr>
-          <p:nvPr>
-            <p:ph type="dt" sz="half" idx="10"/>
-          </p:nvPr>
-        </p:nvSpPr>
-        <p:spPr>
-          <a:xfrm>
-            <a:off x="838200" y="6356350"/>
-            <a:ext cx="2743200" cy="365125"/>
-          </a:xfrm>
-          <a:prstGeom prst="rect">
-            <a:avLst/>
-          </a:prstGeom>
-        </p:spPr>
-        <p:txBody>
-          <a:bodyPr/>
-          <a:lstStyle/>
-          <a:p>
-            <a:fld id="{C821D732-482B-4034-9A01-AE0127AE26DC}" type="datetimeFigureOut">
-              <a:rPr lang="en-US" smtClean="0"/>
-              <a:t>9/28/2015</a:t>
-            </a:fld>
-            <a:endParaRPr lang="en-US"/>
-          </a:p>
-        </p:txBody>
-      </p:sp>
-      <p:sp>
-        <p:nvSpPr>
-          <p:cNvPr id="5" name="Footer Placeholder 4"/>
-          <p:cNvSpPr>
-            <a:spLocks noGrp="1"/>
-          </p:cNvSpPr>
-          <p:nvPr>
-            <p:ph type="ftr" sz="quarter" idx="11"/>
-          </p:nvPr>
-        </p:nvSpPr>
-        <p:spPr>
-          <a:xfrm>
-            <a:off x="4038600" y="6356350"/>
-            <a:ext cx="4114800" cy="365125"/>
-          </a:xfrm>
-          <a:prstGeom prst="rect">
-            <a:avLst/>
-          </a:prstGeom>
-        </p:spPr>
-        <p:txBody>
-          <a:bodyPr/>
-          <a:lstStyle/>
-          <a:p>
-            <a:endParaRPr lang="en-US"/>
-          </a:p>
-        </p:txBody>
-      </p:sp>
-      <p:sp>
-        <p:nvSpPr>
-          <p:cNvPr id="6" name="Slide Number Placeholder 5"/>
-          <p:cNvSpPr>
-            <a:spLocks noGrp="1"/>
-          </p:cNvSpPr>
-          <p:nvPr>
-            <p:ph type="sldNum" sz="quarter" idx="12"/>
-          </p:nvPr>
-        </p:nvSpPr>
-        <p:spPr>
-          <a:xfrm>
-            <a:off x="8610600" y="6356350"/>
-            <a:ext cx="2743200" cy="365125"/>
-          </a:xfrm>
-          <a:prstGeom prst="rect">
-            <a:avLst/>
-          </a:prstGeom>
-        </p:spPr>
-        <p:txBody>
-          <a:bodyPr/>
-          <a:lstStyle/>
-          <a:p>
-            <a:fld id="{124E5782-9529-4003-BF0D-01C23FAD9AED}" type="slidenum">
-              <a:rPr lang="en-US" smtClean="0"/>
-              <a:t>‹#›</a:t>
-            </a:fld>
-            <a:endParaRPr lang="en-US"/>
-          </a:p>
-        </p:txBody>
-      </p:sp>
-    </p:spTree>
-    <p:extLst>
-      <p:ext uri="{BB962C8B-B14F-4D97-AF65-F5344CB8AC3E}">
-        <p14:creationId xmlns:p14="http://schemas.microsoft.com/office/powerpoint/2010/main" val="2573753647"/>
       </p:ext>
     </p:extLst>
   </p:cSld>
@@ -789,7 +406,12 @@
             <p:ph type="title"/>
           </p:nvPr>
         </p:nvSpPr>
-        <p:spPr/>
+        <p:spPr>
+          <a:xfrm>
+            <a:off x="838200" y="365125"/>
+            <a:ext cx="10515600" cy="723011"/>
+          </a:xfrm>
+        </p:spPr>
         <p:txBody>
           <a:bodyPr/>
           <a:lstStyle/>
@@ -812,7 +434,12 @@
             <p:ph idx="1"/>
           </p:nvPr>
         </p:nvSpPr>
-        <p:spPr/>
+        <p:spPr>
+          <a:xfrm>
+            <a:off x="838200" y="1261872"/>
+            <a:ext cx="10515600" cy="4915091"/>
+          </a:xfrm>
+        </p:spPr>
         <p:txBody>
           <a:bodyPr/>
           <a:lstStyle/>
@@ -879,7 +506,7 @@
           <a:p>
             <a:fld id="{C821D732-482B-4034-9A01-AE0127AE26DC}" type="datetimeFigureOut">
               <a:rPr lang="en-US" smtClean="0"/>
-              <a:t>9/28/2015</a:t>
+              <a:t>10/18/2015</a:t>
             </a:fld>
             <a:endParaRPr lang="en-US"/>
           </a:p>
@@ -1149,7 +776,7 @@
           <a:p>
             <a:fld id="{C821D732-482B-4034-9A01-AE0127AE26DC}" type="datetimeFigureOut">
               <a:rPr lang="en-US" smtClean="0"/>
-              <a:t>9/28/2015</a:t>
+              <a:t>10/18/2015</a:t>
             </a:fld>
             <a:endParaRPr lang="en-US"/>
           </a:p>
@@ -1405,7 +1032,7 @@
           <a:p>
             <a:fld id="{C821D732-482B-4034-9A01-AE0127AE26DC}" type="datetimeFigureOut">
               <a:rPr lang="en-US" smtClean="0"/>
-              <a:t>9/28/2015</a:t>
+              <a:t>10/18/2015</a:t>
             </a:fld>
             <a:endParaRPr lang="en-US"/>
           </a:p>
@@ -1483,397 +1110,6 @@
 </file>
 
 <file path=ppt/slideLayouts/slideLayout5.xml><?xml version="1.0" encoding="utf-8"?>
-<p:sldLayout xmlns:a="http://schemas.openxmlformats.org/drawingml/2006/main" xmlns:r="http://schemas.openxmlformats.org/officeDocument/2006/relationships" xmlns:p="http://schemas.openxmlformats.org/presentationml/2006/main" type="twoTxTwoObj" preserve="1">
-  <p:cSld name="Comparison">
-    <p:spTree>
-      <p:nvGrpSpPr>
-        <p:cNvPr id="1" name=""/>
-        <p:cNvGrpSpPr/>
-        <p:nvPr/>
-      </p:nvGrpSpPr>
-      <p:grpSpPr>
-        <a:xfrm>
-          <a:off x="0" y="0"/>
-          <a:ext cx="0" cy="0"/>
-          <a:chOff x="0" y="0"/>
-          <a:chExt cx="0" cy="0"/>
-        </a:xfrm>
-      </p:grpSpPr>
-      <p:sp>
-        <p:nvSpPr>
-          <p:cNvPr id="2" name="Title 1"/>
-          <p:cNvSpPr>
-            <a:spLocks noGrp="1"/>
-          </p:cNvSpPr>
-          <p:nvPr>
-            <p:ph type="title"/>
-          </p:nvPr>
-        </p:nvSpPr>
-        <p:spPr>
-          <a:xfrm>
-            <a:off x="839788" y="365125"/>
-            <a:ext cx="10515600" cy="1325563"/>
-          </a:xfrm>
-        </p:spPr>
-        <p:txBody>
-          <a:bodyPr/>
-          <a:lstStyle/>
-          <a:p>
-            <a:r>
-              <a:rPr lang="en-US" smtClean="0"/>
-              <a:t>Click to edit Master title style</a:t>
-            </a:r>
-            <a:endParaRPr lang="en-US"/>
-          </a:p>
-        </p:txBody>
-      </p:sp>
-      <p:sp>
-        <p:nvSpPr>
-          <p:cNvPr id="3" name="Text Placeholder 2"/>
-          <p:cNvSpPr>
-            <a:spLocks noGrp="1"/>
-          </p:cNvSpPr>
-          <p:nvPr>
-            <p:ph type="body" idx="1"/>
-          </p:nvPr>
-        </p:nvSpPr>
-        <p:spPr>
-          <a:xfrm>
-            <a:off x="839788" y="1681163"/>
-            <a:ext cx="5157787" cy="823912"/>
-          </a:xfrm>
-        </p:spPr>
-        <p:txBody>
-          <a:bodyPr anchor="b"/>
-          <a:lstStyle>
-            <a:lvl1pPr marL="0" indent="0">
-              <a:buNone/>
-              <a:defRPr sz="2400" b="1"/>
-            </a:lvl1pPr>
-            <a:lvl2pPr marL="457200" indent="0">
-              <a:buNone/>
-              <a:defRPr sz="2000" b="1"/>
-            </a:lvl2pPr>
-            <a:lvl3pPr marL="914400" indent="0">
-              <a:buNone/>
-              <a:defRPr sz="1800" b="1"/>
-            </a:lvl3pPr>
-            <a:lvl4pPr marL="1371600" indent="0">
-              <a:buNone/>
-              <a:defRPr sz="1600" b="1"/>
-            </a:lvl4pPr>
-            <a:lvl5pPr marL="1828800" indent="0">
-              <a:buNone/>
-              <a:defRPr sz="1600" b="1"/>
-            </a:lvl5pPr>
-            <a:lvl6pPr marL="2286000" indent="0">
-              <a:buNone/>
-              <a:defRPr sz="1600" b="1"/>
-            </a:lvl6pPr>
-            <a:lvl7pPr marL="2743200" indent="0">
-              <a:buNone/>
-              <a:defRPr sz="1600" b="1"/>
-            </a:lvl7pPr>
-            <a:lvl8pPr marL="3200400" indent="0">
-              <a:buNone/>
-              <a:defRPr sz="1600" b="1"/>
-            </a:lvl8pPr>
-            <a:lvl9pPr marL="3657600" indent="0">
-              <a:buNone/>
-              <a:defRPr sz="1600" b="1"/>
-            </a:lvl9pPr>
-          </a:lstStyle>
-          <a:p>
-            <a:pPr lvl="0"/>
-            <a:r>
-              <a:rPr lang="en-US" smtClean="0"/>
-              <a:t>Click to edit Master text styles</a:t>
-            </a:r>
-          </a:p>
-        </p:txBody>
-      </p:sp>
-      <p:sp>
-        <p:nvSpPr>
-          <p:cNvPr id="4" name="Content Placeholder 3"/>
-          <p:cNvSpPr>
-            <a:spLocks noGrp="1"/>
-          </p:cNvSpPr>
-          <p:nvPr>
-            <p:ph sz="half" idx="2"/>
-          </p:nvPr>
-        </p:nvSpPr>
-        <p:spPr>
-          <a:xfrm>
-            <a:off x="839788" y="2505075"/>
-            <a:ext cx="5157787" cy="3684588"/>
-          </a:xfrm>
-        </p:spPr>
-        <p:txBody>
-          <a:bodyPr/>
-          <a:lstStyle/>
-          <a:p>
-            <a:pPr lvl="0"/>
-            <a:r>
-              <a:rPr lang="en-US" smtClean="0"/>
-              <a:t>Click to edit Master text styles</a:t>
-            </a:r>
-          </a:p>
-          <a:p>
-            <a:pPr lvl="1"/>
-            <a:r>
-              <a:rPr lang="en-US" smtClean="0"/>
-              <a:t>Second level</a:t>
-            </a:r>
-          </a:p>
-          <a:p>
-            <a:pPr lvl="2"/>
-            <a:r>
-              <a:rPr lang="en-US" smtClean="0"/>
-              <a:t>Third level</a:t>
-            </a:r>
-          </a:p>
-          <a:p>
-            <a:pPr lvl="3"/>
-            <a:r>
-              <a:rPr lang="en-US" smtClean="0"/>
-              <a:t>Fourth level</a:t>
-            </a:r>
-          </a:p>
-          <a:p>
-            <a:pPr lvl="4"/>
-            <a:r>
-              <a:rPr lang="en-US" smtClean="0"/>
-              <a:t>Fifth level</a:t>
-            </a:r>
-            <a:endParaRPr lang="en-US"/>
-          </a:p>
-        </p:txBody>
-      </p:sp>
-      <p:sp>
-        <p:nvSpPr>
-          <p:cNvPr id="5" name="Text Placeholder 4"/>
-          <p:cNvSpPr>
-            <a:spLocks noGrp="1"/>
-          </p:cNvSpPr>
-          <p:nvPr>
-            <p:ph type="body" sz="quarter" idx="3"/>
-          </p:nvPr>
-        </p:nvSpPr>
-        <p:spPr>
-          <a:xfrm>
-            <a:off x="6172200" y="1681163"/>
-            <a:ext cx="5183188" cy="823912"/>
-          </a:xfrm>
-        </p:spPr>
-        <p:txBody>
-          <a:bodyPr anchor="b"/>
-          <a:lstStyle>
-            <a:lvl1pPr marL="0" indent="0">
-              <a:buNone/>
-              <a:defRPr sz="2400" b="1"/>
-            </a:lvl1pPr>
-            <a:lvl2pPr marL="457200" indent="0">
-              <a:buNone/>
-              <a:defRPr sz="2000" b="1"/>
-            </a:lvl2pPr>
-            <a:lvl3pPr marL="914400" indent="0">
-              <a:buNone/>
-              <a:defRPr sz="1800" b="1"/>
-            </a:lvl3pPr>
-            <a:lvl4pPr marL="1371600" indent="0">
-              <a:buNone/>
-              <a:defRPr sz="1600" b="1"/>
-            </a:lvl4pPr>
-            <a:lvl5pPr marL="1828800" indent="0">
-              <a:buNone/>
-              <a:defRPr sz="1600" b="1"/>
-            </a:lvl5pPr>
-            <a:lvl6pPr marL="2286000" indent="0">
-              <a:buNone/>
-              <a:defRPr sz="1600" b="1"/>
-            </a:lvl6pPr>
-            <a:lvl7pPr marL="2743200" indent="0">
-              <a:buNone/>
-              <a:defRPr sz="1600" b="1"/>
-            </a:lvl7pPr>
-            <a:lvl8pPr marL="3200400" indent="0">
-              <a:buNone/>
-              <a:defRPr sz="1600" b="1"/>
-            </a:lvl8pPr>
-            <a:lvl9pPr marL="3657600" indent="0">
-              <a:buNone/>
-              <a:defRPr sz="1600" b="1"/>
-            </a:lvl9pPr>
-          </a:lstStyle>
-          <a:p>
-            <a:pPr lvl="0"/>
-            <a:r>
-              <a:rPr lang="en-US" smtClean="0"/>
-              <a:t>Click to edit Master text styles</a:t>
-            </a:r>
-          </a:p>
-        </p:txBody>
-      </p:sp>
-      <p:sp>
-        <p:nvSpPr>
-          <p:cNvPr id="6" name="Content Placeholder 5"/>
-          <p:cNvSpPr>
-            <a:spLocks noGrp="1"/>
-          </p:cNvSpPr>
-          <p:nvPr>
-            <p:ph sz="quarter" idx="4"/>
-          </p:nvPr>
-        </p:nvSpPr>
-        <p:spPr>
-          <a:xfrm>
-            <a:off x="6172200" y="2505075"/>
-            <a:ext cx="5183188" cy="3684588"/>
-          </a:xfrm>
-        </p:spPr>
-        <p:txBody>
-          <a:bodyPr/>
-          <a:lstStyle/>
-          <a:p>
-            <a:pPr lvl="0"/>
-            <a:r>
-              <a:rPr lang="en-US" smtClean="0"/>
-              <a:t>Click to edit Master text styles</a:t>
-            </a:r>
-          </a:p>
-          <a:p>
-            <a:pPr lvl="1"/>
-            <a:r>
-              <a:rPr lang="en-US" smtClean="0"/>
-              <a:t>Second level</a:t>
-            </a:r>
-          </a:p>
-          <a:p>
-            <a:pPr lvl="2"/>
-            <a:r>
-              <a:rPr lang="en-US" smtClean="0"/>
-              <a:t>Third level</a:t>
-            </a:r>
-          </a:p>
-          <a:p>
-            <a:pPr lvl="3"/>
-            <a:r>
-              <a:rPr lang="en-US" smtClean="0"/>
-              <a:t>Fourth level</a:t>
-            </a:r>
-          </a:p>
-          <a:p>
-            <a:pPr lvl="4"/>
-            <a:r>
-              <a:rPr lang="en-US" smtClean="0"/>
-              <a:t>Fifth level</a:t>
-            </a:r>
-            <a:endParaRPr lang="en-US"/>
-          </a:p>
-        </p:txBody>
-      </p:sp>
-      <p:sp>
-        <p:nvSpPr>
-          <p:cNvPr id="7" name="Date Placeholder 6"/>
-          <p:cNvSpPr>
-            <a:spLocks noGrp="1"/>
-          </p:cNvSpPr>
-          <p:nvPr>
-            <p:ph type="dt" sz="half" idx="10"/>
-          </p:nvPr>
-        </p:nvSpPr>
-        <p:spPr>
-          <a:xfrm>
-            <a:off x="838200" y="6356350"/>
-            <a:ext cx="2743200" cy="365125"/>
-          </a:xfrm>
-          <a:prstGeom prst="rect">
-            <a:avLst/>
-          </a:prstGeom>
-        </p:spPr>
-        <p:txBody>
-          <a:bodyPr/>
-          <a:lstStyle/>
-          <a:p>
-            <a:fld id="{C821D732-482B-4034-9A01-AE0127AE26DC}" type="datetimeFigureOut">
-              <a:rPr lang="en-US" smtClean="0"/>
-              <a:t>9/28/2015</a:t>
-            </a:fld>
-            <a:endParaRPr lang="en-US"/>
-          </a:p>
-        </p:txBody>
-      </p:sp>
-      <p:sp>
-        <p:nvSpPr>
-          <p:cNvPr id="8" name="Footer Placeholder 7"/>
-          <p:cNvSpPr>
-            <a:spLocks noGrp="1"/>
-          </p:cNvSpPr>
-          <p:nvPr>
-            <p:ph type="ftr" sz="quarter" idx="11"/>
-          </p:nvPr>
-        </p:nvSpPr>
-        <p:spPr>
-          <a:xfrm>
-            <a:off x="4038600" y="6356350"/>
-            <a:ext cx="4114800" cy="365125"/>
-          </a:xfrm>
-          <a:prstGeom prst="rect">
-            <a:avLst/>
-          </a:prstGeom>
-        </p:spPr>
-        <p:txBody>
-          <a:bodyPr/>
-          <a:lstStyle/>
-          <a:p>
-            <a:endParaRPr lang="en-US"/>
-          </a:p>
-        </p:txBody>
-      </p:sp>
-      <p:sp>
-        <p:nvSpPr>
-          <p:cNvPr id="9" name="Slide Number Placeholder 8"/>
-          <p:cNvSpPr>
-            <a:spLocks noGrp="1"/>
-          </p:cNvSpPr>
-          <p:nvPr>
-            <p:ph type="sldNum" sz="quarter" idx="12"/>
-          </p:nvPr>
-        </p:nvSpPr>
-        <p:spPr>
-          <a:xfrm>
-            <a:off x="8610600" y="6356350"/>
-            <a:ext cx="2743200" cy="365125"/>
-          </a:xfrm>
-          <a:prstGeom prst="rect">
-            <a:avLst/>
-          </a:prstGeom>
-        </p:spPr>
-        <p:txBody>
-          <a:bodyPr/>
-          <a:lstStyle/>
-          <a:p>
-            <a:fld id="{124E5782-9529-4003-BF0D-01C23FAD9AED}" type="slidenum">
-              <a:rPr lang="en-US" smtClean="0"/>
-              <a:t>‹#›</a:t>
-            </a:fld>
-            <a:endParaRPr lang="en-US"/>
-          </a:p>
-        </p:txBody>
-      </p:sp>
-    </p:spTree>
-    <p:extLst>
-      <p:ext uri="{BB962C8B-B14F-4D97-AF65-F5344CB8AC3E}">
-        <p14:creationId xmlns:p14="http://schemas.microsoft.com/office/powerpoint/2010/main" val="405788593"/>
-      </p:ext>
-    </p:extLst>
-  </p:cSld>
-  <p:clrMapOvr>
-    <a:masterClrMapping/>
-  </p:clrMapOvr>
-</p:sldLayout>
-</file>
-
-<file path=ppt/slideLayouts/slideLayout6.xml><?xml version="1.0" encoding="utf-8"?>
 <p:sldLayout xmlns:a="http://schemas.openxmlformats.org/drawingml/2006/main" xmlns:r="http://schemas.openxmlformats.org/officeDocument/2006/relationships" xmlns:p="http://schemas.openxmlformats.org/presentationml/2006/main" type="titleOnly" preserve="1">
   <p:cSld name="Title Only">
     <p:spTree>
@@ -1938,7 +1174,7 @@
           <a:p>
             <a:fld id="{C821D732-482B-4034-9A01-AE0127AE26DC}" type="datetimeFigureOut">
               <a:rPr lang="en-US" smtClean="0"/>
-              <a:t>9/28/2015</a:t>
+              <a:t>10/18/2015</a:t>
             </a:fld>
             <a:endParaRPr lang="en-US"/>
           </a:p>
@@ -2015,7 +1251,7 @@
 </p:sldLayout>
 </file>
 
-<file path=ppt/slideLayouts/slideLayout7.xml><?xml version="1.0" encoding="utf-8"?>
+<file path=ppt/slideLayouts/slideLayout6.xml><?xml version="1.0" encoding="utf-8"?>
 <p:sldLayout xmlns:a="http://schemas.openxmlformats.org/drawingml/2006/main" xmlns:r="http://schemas.openxmlformats.org/officeDocument/2006/relationships" xmlns:p="http://schemas.openxmlformats.org/presentationml/2006/main" type="blank" preserve="1">
   <p:cSld name="Blank">
     <p:spTree>
@@ -2057,7 +1293,7 @@
           <a:p>
             <a:fld id="{C821D732-482B-4034-9A01-AE0127AE26DC}" type="datetimeFigureOut">
               <a:rPr lang="en-US" smtClean="0"/>
-              <a:t>9/28/2015</a:t>
+              <a:t>10/18/2015</a:t>
             </a:fld>
             <a:endParaRPr lang="en-US"/>
           </a:p>
@@ -2125,584 +1361,6 @@
     <p:extLst>
       <p:ext uri="{BB962C8B-B14F-4D97-AF65-F5344CB8AC3E}">
         <p14:creationId xmlns:p14="http://schemas.microsoft.com/office/powerpoint/2010/main" val="2287381593"/>
-      </p:ext>
-    </p:extLst>
-  </p:cSld>
-  <p:clrMapOvr>
-    <a:masterClrMapping/>
-  </p:clrMapOvr>
-</p:sldLayout>
-</file>
-
-<file path=ppt/slideLayouts/slideLayout8.xml><?xml version="1.0" encoding="utf-8"?>
-<p:sldLayout xmlns:a="http://schemas.openxmlformats.org/drawingml/2006/main" xmlns:r="http://schemas.openxmlformats.org/officeDocument/2006/relationships" xmlns:p="http://schemas.openxmlformats.org/presentationml/2006/main" type="objTx" preserve="1">
-  <p:cSld name="Content with Caption">
-    <p:spTree>
-      <p:nvGrpSpPr>
-        <p:cNvPr id="1" name=""/>
-        <p:cNvGrpSpPr/>
-        <p:nvPr/>
-      </p:nvGrpSpPr>
-      <p:grpSpPr>
-        <a:xfrm>
-          <a:off x="0" y="0"/>
-          <a:ext cx="0" cy="0"/>
-          <a:chOff x="0" y="0"/>
-          <a:chExt cx="0" cy="0"/>
-        </a:xfrm>
-      </p:grpSpPr>
-      <p:sp>
-        <p:nvSpPr>
-          <p:cNvPr id="2" name="Title 1"/>
-          <p:cNvSpPr>
-            <a:spLocks noGrp="1"/>
-          </p:cNvSpPr>
-          <p:nvPr>
-            <p:ph type="title"/>
-          </p:nvPr>
-        </p:nvSpPr>
-        <p:spPr>
-          <a:xfrm>
-            <a:off x="839788" y="457200"/>
-            <a:ext cx="3932237" cy="1600200"/>
-          </a:xfrm>
-        </p:spPr>
-        <p:txBody>
-          <a:bodyPr anchor="b"/>
-          <a:lstStyle>
-            <a:lvl1pPr>
-              <a:defRPr sz="3200"/>
-            </a:lvl1pPr>
-          </a:lstStyle>
-          <a:p>
-            <a:r>
-              <a:rPr lang="en-US" smtClean="0"/>
-              <a:t>Click to edit Master title style</a:t>
-            </a:r>
-            <a:endParaRPr lang="en-US"/>
-          </a:p>
-        </p:txBody>
-      </p:sp>
-      <p:sp>
-        <p:nvSpPr>
-          <p:cNvPr id="3" name="Content Placeholder 2"/>
-          <p:cNvSpPr>
-            <a:spLocks noGrp="1"/>
-          </p:cNvSpPr>
-          <p:nvPr>
-            <p:ph idx="1"/>
-          </p:nvPr>
-        </p:nvSpPr>
-        <p:spPr>
-          <a:xfrm>
-            <a:off x="5183188" y="987425"/>
-            <a:ext cx="6172200" cy="4873625"/>
-          </a:xfrm>
-        </p:spPr>
-        <p:txBody>
-          <a:bodyPr/>
-          <a:lstStyle>
-            <a:lvl1pPr>
-              <a:defRPr sz="3200"/>
-            </a:lvl1pPr>
-            <a:lvl2pPr>
-              <a:defRPr sz="2800"/>
-            </a:lvl2pPr>
-            <a:lvl3pPr>
-              <a:defRPr sz="2400"/>
-            </a:lvl3pPr>
-            <a:lvl4pPr>
-              <a:defRPr sz="2000"/>
-            </a:lvl4pPr>
-            <a:lvl5pPr>
-              <a:defRPr sz="2000"/>
-            </a:lvl5pPr>
-            <a:lvl6pPr>
-              <a:defRPr sz="2000"/>
-            </a:lvl6pPr>
-            <a:lvl7pPr>
-              <a:defRPr sz="2000"/>
-            </a:lvl7pPr>
-            <a:lvl8pPr>
-              <a:defRPr sz="2000"/>
-            </a:lvl8pPr>
-            <a:lvl9pPr>
-              <a:defRPr sz="2000"/>
-            </a:lvl9pPr>
-          </a:lstStyle>
-          <a:p>
-            <a:pPr lvl="0"/>
-            <a:r>
-              <a:rPr lang="en-US" smtClean="0"/>
-              <a:t>Click to edit Master text styles</a:t>
-            </a:r>
-          </a:p>
-          <a:p>
-            <a:pPr lvl="1"/>
-            <a:r>
-              <a:rPr lang="en-US" smtClean="0"/>
-              <a:t>Second level</a:t>
-            </a:r>
-          </a:p>
-          <a:p>
-            <a:pPr lvl="2"/>
-            <a:r>
-              <a:rPr lang="en-US" smtClean="0"/>
-              <a:t>Third level</a:t>
-            </a:r>
-          </a:p>
-          <a:p>
-            <a:pPr lvl="3"/>
-            <a:r>
-              <a:rPr lang="en-US" smtClean="0"/>
-              <a:t>Fourth level</a:t>
-            </a:r>
-          </a:p>
-          <a:p>
-            <a:pPr lvl="4"/>
-            <a:r>
-              <a:rPr lang="en-US" smtClean="0"/>
-              <a:t>Fifth level</a:t>
-            </a:r>
-            <a:endParaRPr lang="en-US"/>
-          </a:p>
-        </p:txBody>
-      </p:sp>
-      <p:sp>
-        <p:nvSpPr>
-          <p:cNvPr id="4" name="Text Placeholder 3"/>
-          <p:cNvSpPr>
-            <a:spLocks noGrp="1"/>
-          </p:cNvSpPr>
-          <p:nvPr>
-            <p:ph type="body" sz="half" idx="2"/>
-          </p:nvPr>
-        </p:nvSpPr>
-        <p:spPr>
-          <a:xfrm>
-            <a:off x="839788" y="2057400"/>
-            <a:ext cx="3932237" cy="3811588"/>
-          </a:xfrm>
-        </p:spPr>
-        <p:txBody>
-          <a:bodyPr/>
-          <a:lstStyle>
-            <a:lvl1pPr marL="0" indent="0">
-              <a:buNone/>
-              <a:defRPr sz="1600"/>
-            </a:lvl1pPr>
-            <a:lvl2pPr marL="457200" indent="0">
-              <a:buNone/>
-              <a:defRPr sz="1400"/>
-            </a:lvl2pPr>
-            <a:lvl3pPr marL="914400" indent="0">
-              <a:buNone/>
-              <a:defRPr sz="1200"/>
-            </a:lvl3pPr>
-            <a:lvl4pPr marL="1371600" indent="0">
-              <a:buNone/>
-              <a:defRPr sz="1000"/>
-            </a:lvl4pPr>
-            <a:lvl5pPr marL="1828800" indent="0">
-              <a:buNone/>
-              <a:defRPr sz="1000"/>
-            </a:lvl5pPr>
-            <a:lvl6pPr marL="2286000" indent="0">
-              <a:buNone/>
-              <a:defRPr sz="1000"/>
-            </a:lvl6pPr>
-            <a:lvl7pPr marL="2743200" indent="0">
-              <a:buNone/>
-              <a:defRPr sz="1000"/>
-            </a:lvl7pPr>
-            <a:lvl8pPr marL="3200400" indent="0">
-              <a:buNone/>
-              <a:defRPr sz="1000"/>
-            </a:lvl8pPr>
-            <a:lvl9pPr marL="3657600" indent="0">
-              <a:buNone/>
-              <a:defRPr sz="1000"/>
-            </a:lvl9pPr>
-          </a:lstStyle>
-          <a:p>
-            <a:pPr lvl="0"/>
-            <a:r>
-              <a:rPr lang="en-US" smtClean="0"/>
-              <a:t>Click to edit Master text styles</a:t>
-            </a:r>
-          </a:p>
-        </p:txBody>
-      </p:sp>
-      <p:sp>
-        <p:nvSpPr>
-          <p:cNvPr id="5" name="Date Placeholder 4"/>
-          <p:cNvSpPr>
-            <a:spLocks noGrp="1"/>
-          </p:cNvSpPr>
-          <p:nvPr>
-            <p:ph type="dt" sz="half" idx="10"/>
-          </p:nvPr>
-        </p:nvSpPr>
-        <p:spPr>
-          <a:xfrm>
-            <a:off x="838200" y="6356350"/>
-            <a:ext cx="2743200" cy="365125"/>
-          </a:xfrm>
-          <a:prstGeom prst="rect">
-            <a:avLst/>
-          </a:prstGeom>
-        </p:spPr>
-        <p:txBody>
-          <a:bodyPr/>
-          <a:lstStyle/>
-          <a:p>
-            <a:fld id="{C821D732-482B-4034-9A01-AE0127AE26DC}" type="datetimeFigureOut">
-              <a:rPr lang="en-US" smtClean="0"/>
-              <a:t>9/28/2015</a:t>
-            </a:fld>
-            <a:endParaRPr lang="en-US"/>
-          </a:p>
-        </p:txBody>
-      </p:sp>
-      <p:sp>
-        <p:nvSpPr>
-          <p:cNvPr id="6" name="Footer Placeholder 5"/>
-          <p:cNvSpPr>
-            <a:spLocks noGrp="1"/>
-          </p:cNvSpPr>
-          <p:nvPr>
-            <p:ph type="ftr" sz="quarter" idx="11"/>
-          </p:nvPr>
-        </p:nvSpPr>
-        <p:spPr>
-          <a:xfrm>
-            <a:off x="4038600" y="6356350"/>
-            <a:ext cx="4114800" cy="365125"/>
-          </a:xfrm>
-          <a:prstGeom prst="rect">
-            <a:avLst/>
-          </a:prstGeom>
-        </p:spPr>
-        <p:txBody>
-          <a:bodyPr/>
-          <a:lstStyle/>
-          <a:p>
-            <a:endParaRPr lang="en-US"/>
-          </a:p>
-        </p:txBody>
-      </p:sp>
-      <p:sp>
-        <p:nvSpPr>
-          <p:cNvPr id="7" name="Slide Number Placeholder 6"/>
-          <p:cNvSpPr>
-            <a:spLocks noGrp="1"/>
-          </p:cNvSpPr>
-          <p:nvPr>
-            <p:ph type="sldNum" sz="quarter" idx="12"/>
-          </p:nvPr>
-        </p:nvSpPr>
-        <p:spPr>
-          <a:xfrm>
-            <a:off x="8610600" y="6356350"/>
-            <a:ext cx="2743200" cy="365125"/>
-          </a:xfrm>
-          <a:prstGeom prst="rect">
-            <a:avLst/>
-          </a:prstGeom>
-        </p:spPr>
-        <p:txBody>
-          <a:bodyPr/>
-          <a:lstStyle/>
-          <a:p>
-            <a:fld id="{124E5782-9529-4003-BF0D-01C23FAD9AED}" type="slidenum">
-              <a:rPr lang="en-US" smtClean="0"/>
-              <a:t>‹#›</a:t>
-            </a:fld>
-            <a:endParaRPr lang="en-US"/>
-          </a:p>
-        </p:txBody>
-      </p:sp>
-    </p:spTree>
-    <p:extLst>
-      <p:ext uri="{BB962C8B-B14F-4D97-AF65-F5344CB8AC3E}">
-        <p14:creationId xmlns:p14="http://schemas.microsoft.com/office/powerpoint/2010/main" val="3006215679"/>
-      </p:ext>
-    </p:extLst>
-  </p:cSld>
-  <p:clrMapOvr>
-    <a:masterClrMapping/>
-  </p:clrMapOvr>
-</p:sldLayout>
-</file>
-
-<file path=ppt/slideLayouts/slideLayout9.xml><?xml version="1.0" encoding="utf-8"?>
-<p:sldLayout xmlns:a="http://schemas.openxmlformats.org/drawingml/2006/main" xmlns:r="http://schemas.openxmlformats.org/officeDocument/2006/relationships" xmlns:p="http://schemas.openxmlformats.org/presentationml/2006/main" type="picTx" preserve="1">
-  <p:cSld name="Picture with Caption">
-    <p:spTree>
-      <p:nvGrpSpPr>
-        <p:cNvPr id="1" name=""/>
-        <p:cNvGrpSpPr/>
-        <p:nvPr/>
-      </p:nvGrpSpPr>
-      <p:grpSpPr>
-        <a:xfrm>
-          <a:off x="0" y="0"/>
-          <a:ext cx="0" cy="0"/>
-          <a:chOff x="0" y="0"/>
-          <a:chExt cx="0" cy="0"/>
-        </a:xfrm>
-      </p:grpSpPr>
-      <p:sp>
-        <p:nvSpPr>
-          <p:cNvPr id="2" name="Title 1"/>
-          <p:cNvSpPr>
-            <a:spLocks noGrp="1"/>
-          </p:cNvSpPr>
-          <p:nvPr>
-            <p:ph type="title"/>
-          </p:nvPr>
-        </p:nvSpPr>
-        <p:spPr>
-          <a:xfrm>
-            <a:off x="839788" y="457200"/>
-            <a:ext cx="3932237" cy="1600200"/>
-          </a:xfrm>
-        </p:spPr>
-        <p:txBody>
-          <a:bodyPr anchor="b"/>
-          <a:lstStyle>
-            <a:lvl1pPr>
-              <a:defRPr sz="3200"/>
-            </a:lvl1pPr>
-          </a:lstStyle>
-          <a:p>
-            <a:r>
-              <a:rPr lang="en-US" smtClean="0"/>
-              <a:t>Click to edit Master title style</a:t>
-            </a:r>
-            <a:endParaRPr lang="en-US"/>
-          </a:p>
-        </p:txBody>
-      </p:sp>
-      <p:sp>
-        <p:nvSpPr>
-          <p:cNvPr id="3" name="Picture Placeholder 2"/>
-          <p:cNvSpPr>
-            <a:spLocks noGrp="1"/>
-          </p:cNvSpPr>
-          <p:nvPr>
-            <p:ph type="pic" idx="1"/>
-          </p:nvPr>
-        </p:nvSpPr>
-        <p:spPr>
-          <a:xfrm>
-            <a:off x="5183188" y="987425"/>
-            <a:ext cx="6172200" cy="4873625"/>
-          </a:xfrm>
-        </p:spPr>
-        <p:txBody>
-          <a:bodyPr/>
-          <a:lstStyle>
-            <a:lvl1pPr marL="0" indent="0">
-              <a:buNone/>
-              <a:defRPr sz="3200"/>
-            </a:lvl1pPr>
-            <a:lvl2pPr marL="457200" indent="0">
-              <a:buNone/>
-              <a:defRPr sz="2800"/>
-            </a:lvl2pPr>
-            <a:lvl3pPr marL="914400" indent="0">
-              <a:buNone/>
-              <a:defRPr sz="2400"/>
-            </a:lvl3pPr>
-            <a:lvl4pPr marL="1371600" indent="0">
-              <a:buNone/>
-              <a:defRPr sz="2000"/>
-            </a:lvl4pPr>
-            <a:lvl5pPr marL="1828800" indent="0">
-              <a:buNone/>
-              <a:defRPr sz="2000"/>
-            </a:lvl5pPr>
-            <a:lvl6pPr marL="2286000" indent="0">
-              <a:buNone/>
-              <a:defRPr sz="2000"/>
-            </a:lvl6pPr>
-            <a:lvl7pPr marL="2743200" indent="0">
-              <a:buNone/>
-              <a:defRPr sz="2000"/>
-            </a:lvl7pPr>
-            <a:lvl8pPr marL="3200400" indent="0">
-              <a:buNone/>
-              <a:defRPr sz="2000"/>
-            </a:lvl8pPr>
-            <a:lvl9pPr marL="3657600" indent="0">
-              <a:buNone/>
-              <a:defRPr sz="2000"/>
-            </a:lvl9pPr>
-          </a:lstStyle>
-          <a:p>
-            <a:endParaRPr lang="en-US"/>
-          </a:p>
-        </p:txBody>
-      </p:sp>
-      <p:sp>
-        <p:nvSpPr>
-          <p:cNvPr id="4" name="Text Placeholder 3"/>
-          <p:cNvSpPr>
-            <a:spLocks noGrp="1"/>
-          </p:cNvSpPr>
-          <p:nvPr>
-            <p:ph type="body" sz="half" idx="2"/>
-          </p:nvPr>
-        </p:nvSpPr>
-        <p:spPr>
-          <a:xfrm>
-            <a:off x="839788" y="2057400"/>
-            <a:ext cx="3932237" cy="3811588"/>
-          </a:xfrm>
-        </p:spPr>
-        <p:txBody>
-          <a:bodyPr/>
-          <a:lstStyle>
-            <a:lvl1pPr marL="0" indent="0">
-              <a:buNone/>
-              <a:defRPr sz="1600"/>
-            </a:lvl1pPr>
-            <a:lvl2pPr marL="457200" indent="0">
-              <a:buNone/>
-              <a:defRPr sz="1400"/>
-            </a:lvl2pPr>
-            <a:lvl3pPr marL="914400" indent="0">
-              <a:buNone/>
-              <a:defRPr sz="1200"/>
-            </a:lvl3pPr>
-            <a:lvl4pPr marL="1371600" indent="0">
-              <a:buNone/>
-              <a:defRPr sz="1000"/>
-            </a:lvl4pPr>
-            <a:lvl5pPr marL="1828800" indent="0">
-              <a:buNone/>
-              <a:defRPr sz="1000"/>
-            </a:lvl5pPr>
-            <a:lvl6pPr marL="2286000" indent="0">
-              <a:buNone/>
-              <a:defRPr sz="1000"/>
-            </a:lvl6pPr>
-            <a:lvl7pPr marL="2743200" indent="0">
-              <a:buNone/>
-              <a:defRPr sz="1000"/>
-            </a:lvl7pPr>
-            <a:lvl8pPr marL="3200400" indent="0">
-              <a:buNone/>
-              <a:defRPr sz="1000"/>
-            </a:lvl8pPr>
-            <a:lvl9pPr marL="3657600" indent="0">
-              <a:buNone/>
-              <a:defRPr sz="1000"/>
-            </a:lvl9pPr>
-          </a:lstStyle>
-          <a:p>
-            <a:pPr lvl="0"/>
-            <a:r>
-              <a:rPr lang="en-US" smtClean="0"/>
-              <a:t>Click to edit Master text styles</a:t>
-            </a:r>
-          </a:p>
-        </p:txBody>
-      </p:sp>
-      <p:sp>
-        <p:nvSpPr>
-          <p:cNvPr id="5" name="Date Placeholder 4"/>
-          <p:cNvSpPr>
-            <a:spLocks noGrp="1"/>
-          </p:cNvSpPr>
-          <p:nvPr>
-            <p:ph type="dt" sz="half" idx="10"/>
-          </p:nvPr>
-        </p:nvSpPr>
-        <p:spPr>
-          <a:xfrm>
-            <a:off x="838200" y="6356350"/>
-            <a:ext cx="2743200" cy="365125"/>
-          </a:xfrm>
-          <a:prstGeom prst="rect">
-            <a:avLst/>
-          </a:prstGeom>
-        </p:spPr>
-        <p:txBody>
-          <a:bodyPr/>
-          <a:lstStyle/>
-          <a:p>
-            <a:fld id="{C821D732-482B-4034-9A01-AE0127AE26DC}" type="datetimeFigureOut">
-              <a:rPr lang="en-US" smtClean="0"/>
-              <a:t>9/28/2015</a:t>
-            </a:fld>
-            <a:endParaRPr lang="en-US"/>
-          </a:p>
-        </p:txBody>
-      </p:sp>
-      <p:sp>
-        <p:nvSpPr>
-          <p:cNvPr id="6" name="Footer Placeholder 5"/>
-          <p:cNvSpPr>
-            <a:spLocks noGrp="1"/>
-          </p:cNvSpPr>
-          <p:nvPr>
-            <p:ph type="ftr" sz="quarter" idx="11"/>
-          </p:nvPr>
-        </p:nvSpPr>
-        <p:spPr>
-          <a:xfrm>
-            <a:off x="4038600" y="6356350"/>
-            <a:ext cx="4114800" cy="365125"/>
-          </a:xfrm>
-          <a:prstGeom prst="rect">
-            <a:avLst/>
-          </a:prstGeom>
-        </p:spPr>
-        <p:txBody>
-          <a:bodyPr/>
-          <a:lstStyle/>
-          <a:p>
-            <a:endParaRPr lang="en-US"/>
-          </a:p>
-        </p:txBody>
-      </p:sp>
-      <p:sp>
-        <p:nvSpPr>
-          <p:cNvPr id="7" name="Slide Number Placeholder 6"/>
-          <p:cNvSpPr>
-            <a:spLocks noGrp="1"/>
-          </p:cNvSpPr>
-          <p:nvPr>
-            <p:ph type="sldNum" sz="quarter" idx="12"/>
-          </p:nvPr>
-        </p:nvSpPr>
-        <p:spPr>
-          <a:xfrm>
-            <a:off x="8610600" y="6356350"/>
-            <a:ext cx="2743200" cy="365125"/>
-          </a:xfrm>
-          <a:prstGeom prst="rect">
-            <a:avLst/>
-          </a:prstGeom>
-        </p:spPr>
-        <p:txBody>
-          <a:bodyPr/>
-          <a:lstStyle/>
-          <a:p>
-            <a:fld id="{124E5782-9529-4003-BF0D-01C23FAD9AED}" type="slidenum">
-              <a:rPr lang="en-US" smtClean="0"/>
-              <a:t>‹#›</a:t>
-            </a:fld>
-            <a:endParaRPr lang="en-US"/>
-          </a:p>
-        </p:txBody>
-      </p:sp>
-    </p:spTree>
-    <p:extLst>
-      <p:ext uri="{BB962C8B-B14F-4D97-AF65-F5344CB8AC3E}">
-        <p14:creationId xmlns:p14="http://schemas.microsoft.com/office/powerpoint/2010/main" val="269576468"/>
       </p:ext>
     </p:extLst>
   </p:cSld>
@@ -2746,8 +1404,8 @@
         </p:nvSpPr>
         <p:spPr>
           <a:xfrm>
-            <a:off x="838200" y="365125"/>
-            <a:ext cx="10515600" cy="1325563"/>
+            <a:off x="838200" y="118237"/>
+            <a:ext cx="10515600" cy="787019"/>
           </a:xfrm>
           <a:prstGeom prst="rect">
             <a:avLst/>
@@ -2760,10 +1418,10 @@
           <a:lstStyle/>
           <a:p>
             <a:r>
-              <a:rPr lang="en-US" smtClean="0"/>
+              <a:rPr lang="en-US" dirty="0" smtClean="0"/>
               <a:t>Click to edit Master title style</a:t>
             </a:r>
-            <a:endParaRPr lang="en-US"/>
+            <a:endParaRPr lang="en-US" dirty="0"/>
           </a:p>
         </p:txBody>
       </p:sp>
@@ -2779,8 +1437,8 @@
         </p:nvSpPr>
         <p:spPr>
           <a:xfrm>
-            <a:off x="838200" y="1825625"/>
-            <a:ext cx="10515600" cy="4351338"/>
+            <a:off x="838200" y="1179576"/>
+            <a:ext cx="10515600" cy="4997387"/>
           </a:xfrm>
           <a:prstGeom prst="rect">
             <a:avLst/>
@@ -2794,41 +1452,396 @@
           <a:p>
             <a:pPr lvl="0"/>
             <a:r>
-              <a:rPr lang="en-US" smtClean="0"/>
+              <a:rPr lang="en-US" dirty="0" smtClean="0"/>
               <a:t>Click to edit Master text styles</a:t>
             </a:r>
           </a:p>
           <a:p>
             <a:pPr lvl="1"/>
             <a:r>
-              <a:rPr lang="en-US" smtClean="0"/>
+              <a:rPr lang="en-US" dirty="0" smtClean="0"/>
               <a:t>Second level</a:t>
             </a:r>
           </a:p>
           <a:p>
             <a:pPr lvl="2"/>
             <a:r>
-              <a:rPr lang="en-US" smtClean="0"/>
+              <a:rPr lang="en-US" dirty="0" smtClean="0"/>
               <a:t>Third level</a:t>
             </a:r>
           </a:p>
           <a:p>
             <a:pPr lvl="3"/>
             <a:r>
-              <a:rPr lang="en-US" smtClean="0"/>
+              <a:rPr lang="en-US" dirty="0" smtClean="0"/>
               <a:t>Fourth level</a:t>
             </a:r>
           </a:p>
           <a:p>
             <a:pPr lvl="4"/>
             <a:r>
-              <a:rPr lang="en-US" smtClean="0"/>
+              <a:rPr lang="en-US" dirty="0" smtClean="0"/>
               <a:t>Fifth level</a:t>
             </a:r>
-            <a:endParaRPr lang="en-US"/>
-          </a:p>
-        </p:txBody>
-      </p:sp>
+            <a:endParaRPr lang="en-US" dirty="0"/>
+          </a:p>
+        </p:txBody>
+      </p:sp>
+      <p:sp>
+        <p:nvSpPr>
+          <p:cNvPr id="4" name="Rectangle 3"/>
+          <p:cNvSpPr/>
+          <p:nvPr userDrawn="1"/>
+        </p:nvSpPr>
+        <p:spPr>
+          <a:xfrm>
+            <a:off x="4796" y="6396335"/>
+            <a:ext cx="12161520" cy="461665"/>
+          </a:xfrm>
+          <a:prstGeom prst="rect">
+            <a:avLst/>
+          </a:prstGeom>
+          <a:blipFill dpi="0" rotWithShape="1">
+            <a:blip r:embed="rId8">
+              <a:extLst>
+                <a:ext uri="{28A0092B-C50C-407E-A947-70E740481C1C}">
+                  <a14:useLocalDpi xmlns:a14="http://schemas.microsoft.com/office/drawing/2010/main" val="0"/>
+                </a:ext>
+              </a:extLst>
+            </a:blip>
+            <a:srcRect/>
+            <a:stretch>
+              <a:fillRect/>
+            </a:stretch>
+          </a:blipFill>
+        </p:spPr>
+        <p:txBody>
+          <a:bodyPr wrap="square" lIns="91440" tIns="45720" rIns="91440" bIns="45720">
+            <a:spAutoFit/>
+          </a:bodyPr>
+          <a:lstStyle/>
+          <a:p>
+            <a:pPr algn="ctr"/>
+            <a:r>
+              <a:rPr lang="en-US" sz="2400" b="1" cap="none" spc="50" dirty="0" smtClean="0">
+                <a:ln w="0"/>
+                <a:solidFill>
+                  <a:schemeClr val="tx1"/>
+                </a:solidFill>
+                <a:effectLst>
+                  <a:innerShdw blurRad="63500" dist="50800" dir="13500000">
+                    <a:srgbClr val="000000">
+                      <a:alpha val="50000"/>
+                    </a:srgbClr>
+                  </a:innerShdw>
+                </a:effectLst>
+                <a:latin typeface="Broadway" panose="04040905080B02020502" pitchFamily="82" charset="0"/>
+              </a:rPr>
+              <a:t>SIRIUS</a:t>
+            </a:r>
+            <a:endParaRPr lang="en-US" sz="2400" b="1" cap="none" spc="50" dirty="0">
+              <a:ln w="0"/>
+              <a:solidFill>
+                <a:schemeClr val="tx1"/>
+              </a:solidFill>
+              <a:effectLst>
+                <a:innerShdw blurRad="63500" dist="50800" dir="13500000">
+                  <a:srgbClr val="000000">
+                    <a:alpha val="50000"/>
+                  </a:srgbClr>
+                </a:innerShdw>
+              </a:effectLst>
+              <a:latin typeface="Broadway" panose="04040905080B02020502" pitchFamily="82" charset="0"/>
+            </a:endParaRPr>
+          </a:p>
+        </p:txBody>
+      </p:sp>
+      <p:sp>
+        <p:nvSpPr>
+          <p:cNvPr id="5" name="Rectangle 4"/>
+          <p:cNvSpPr/>
+          <p:nvPr userDrawn="1"/>
+        </p:nvSpPr>
+        <p:spPr>
+          <a:xfrm rot="16200000">
+            <a:off x="-2964772" y="2990236"/>
+            <a:ext cx="6400800" cy="461665"/>
+          </a:xfrm>
+          <a:prstGeom prst="rect">
+            <a:avLst/>
+          </a:prstGeom>
+          <a:blipFill dpi="0" rotWithShape="1">
+            <a:blip r:embed="rId8">
+              <a:duotone>
+                <a:schemeClr val="accent5">
+                  <a:shade val="45000"/>
+                  <a:satMod val="135000"/>
+                </a:schemeClr>
+                <a:prstClr val="white"/>
+              </a:duotone>
+              <a:extLst>
+                <a:ext uri="{28A0092B-C50C-407E-A947-70E740481C1C}">
+                  <a14:useLocalDpi xmlns:a14="http://schemas.microsoft.com/office/drawing/2010/main" val="0"/>
+                </a:ext>
+              </a:extLst>
+            </a:blip>
+            <a:srcRect/>
+            <a:stretch>
+              <a:fillRect/>
+            </a:stretch>
+          </a:blipFill>
+        </p:spPr>
+        <p:txBody>
+          <a:bodyPr wrap="square" lIns="91440" tIns="45720" rIns="91440" bIns="45720">
+            <a:spAutoFit/>
+          </a:bodyPr>
+          <a:lstStyle/>
+          <a:p>
+            <a:pPr algn="ctr"/>
+            <a:endParaRPr lang="en-US" sz="2400" b="1" cap="none" spc="50" dirty="0">
+              <a:ln w="0"/>
+              <a:solidFill>
+                <a:schemeClr val="tx1"/>
+              </a:solidFill>
+              <a:effectLst>
+                <a:innerShdw blurRad="63500" dist="50800" dir="13500000">
+                  <a:srgbClr val="000000">
+                    <a:alpha val="50000"/>
+                  </a:srgbClr>
+                </a:innerShdw>
+              </a:effectLst>
+              <a:latin typeface="Broadway" panose="04040905080B02020502" pitchFamily="82" charset="0"/>
+            </a:endParaRPr>
+          </a:p>
+        </p:txBody>
+      </p:sp>
+      <p:sp>
+        <p:nvSpPr>
+          <p:cNvPr id="6" name="Rectangle 5"/>
+          <p:cNvSpPr/>
+          <p:nvPr userDrawn="1"/>
+        </p:nvSpPr>
+        <p:spPr>
+          <a:xfrm rot="16200000">
+            <a:off x="8735083" y="2965103"/>
+            <a:ext cx="6400800" cy="461665"/>
+          </a:xfrm>
+          <a:prstGeom prst="rect">
+            <a:avLst/>
+          </a:prstGeom>
+          <a:blipFill dpi="0" rotWithShape="1">
+            <a:blip r:embed="rId8">
+              <a:duotone>
+                <a:schemeClr val="accent5">
+                  <a:shade val="45000"/>
+                  <a:satMod val="135000"/>
+                </a:schemeClr>
+                <a:prstClr val="white"/>
+              </a:duotone>
+              <a:extLst>
+                <a:ext uri="{28A0092B-C50C-407E-A947-70E740481C1C}">
+                  <a14:useLocalDpi xmlns:a14="http://schemas.microsoft.com/office/drawing/2010/main" val="0"/>
+                </a:ext>
+              </a:extLst>
+            </a:blip>
+            <a:srcRect/>
+            <a:stretch>
+              <a:fillRect/>
+            </a:stretch>
+          </a:blipFill>
+        </p:spPr>
+        <p:txBody>
+          <a:bodyPr wrap="square" lIns="91440" tIns="45720" rIns="91440" bIns="45720">
+            <a:spAutoFit/>
+          </a:bodyPr>
+          <a:lstStyle/>
+          <a:p>
+            <a:pPr algn="ctr"/>
+            <a:endParaRPr lang="en-US" sz="2400" b="1" cap="none" spc="50" dirty="0">
+              <a:ln w="0"/>
+              <a:solidFill>
+                <a:schemeClr val="tx1"/>
+              </a:solidFill>
+              <a:effectLst>
+                <a:innerShdw blurRad="63500" dist="50800" dir="13500000">
+                  <a:srgbClr val="000000">
+                    <a:alpha val="50000"/>
+                  </a:srgbClr>
+                </a:innerShdw>
+              </a:effectLst>
+              <a:latin typeface="Broadway" panose="04040905080B02020502" pitchFamily="82" charset="0"/>
+            </a:endParaRPr>
+          </a:p>
+        </p:txBody>
+      </p:sp>
+      <p:pic>
+        <p:nvPicPr>
+          <p:cNvPr id="7" name="Picture 6" descr="OLCF_2014.png"/>
+          <p:cNvPicPr>
+            <a:picLocks noChangeAspect="1"/>
+          </p:cNvPicPr>
+          <p:nvPr userDrawn="1"/>
+        </p:nvPicPr>
+        <p:blipFill>
+          <a:blip r:embed="rId9">
+            <a:clrChange>
+              <a:clrFrom>
+                <a:srgbClr val="000000">
+                  <a:alpha val="0"/>
+                </a:srgbClr>
+              </a:clrFrom>
+              <a:clrTo>
+                <a:srgbClr val="000000">
+                  <a:alpha val="0"/>
+                </a:srgbClr>
+              </a:clrTo>
+            </a:clrChange>
+            <a:extLst>
+              <a:ext uri="{28A0092B-C50C-407E-A947-70E740481C1C}">
+                <a14:useLocalDpi xmlns:a14="http://schemas.microsoft.com/office/drawing/2010/main" val="0"/>
+              </a:ext>
+            </a:extLst>
+          </a:blip>
+          <a:stretch>
+            <a:fillRect/>
+          </a:stretch>
+        </p:blipFill>
+        <p:spPr>
+          <a:xfrm rot="16200000">
+            <a:off x="-1363742" y="3264408"/>
+            <a:ext cx="3198740" cy="329184"/>
+          </a:xfrm>
+          <a:prstGeom prst="rect">
+            <a:avLst/>
+          </a:prstGeom>
+        </p:spPr>
+      </p:pic>
+      <p:pic>
+        <p:nvPicPr>
+          <p:cNvPr id="8" name="Picture 6" descr="SNL_Stacked_White.png"/>
+          <p:cNvPicPr>
+            <a:picLocks noChangeAspect="1"/>
+          </p:cNvPicPr>
+          <p:nvPr userDrawn="1"/>
+        </p:nvPicPr>
+        <p:blipFill>
+          <a:blip r:embed="rId10"/>
+          <a:srcRect/>
+          <a:stretch>
+            <a:fillRect/>
+          </a:stretch>
+        </p:blipFill>
+        <p:spPr bwMode="auto">
+          <a:xfrm rot="5400000">
+            <a:off x="11342414" y="3200400"/>
+            <a:ext cx="1189464" cy="457200"/>
+          </a:xfrm>
+          <a:prstGeom prst="rect">
+            <a:avLst/>
+          </a:prstGeom>
+          <a:noFill/>
+          <a:ln w="9525">
+            <a:noFill/>
+            <a:miter lim="800000"/>
+            <a:headEnd/>
+            <a:tailEnd/>
+          </a:ln>
+        </p:spPr>
+      </p:pic>
+      <p:pic>
+        <p:nvPicPr>
+          <p:cNvPr id="9" name="Picture 8"/>
+          <p:cNvPicPr>
+            <a:picLocks noChangeAspect="1"/>
+          </p:cNvPicPr>
+          <p:nvPr userDrawn="1"/>
+        </p:nvPicPr>
+        <p:blipFill>
+          <a:blip r:embed="rId11">
+            <a:clrChange>
+              <a:clrFrom>
+                <a:srgbClr val="FFFFFF"/>
+              </a:clrFrom>
+              <a:clrTo>
+                <a:srgbClr val="FFFFFF">
+                  <a:alpha val="0"/>
+                </a:srgbClr>
+              </a:clrTo>
+            </a:clrChange>
+          </a:blip>
+          <a:stretch>
+            <a:fillRect/>
+          </a:stretch>
+        </p:blipFill>
+        <p:spPr>
+          <a:xfrm rot="16200000">
+            <a:off x="-595765" y="621227"/>
+            <a:ext cx="1658319" cy="457200"/>
+          </a:xfrm>
+          <a:prstGeom prst="rect">
+            <a:avLst/>
+          </a:prstGeom>
+        </p:spPr>
+      </p:pic>
+      <p:pic>
+        <p:nvPicPr>
+          <p:cNvPr id="10" name="Picture 9"/>
+          <p:cNvPicPr>
+            <a:picLocks noChangeAspect="1"/>
+          </p:cNvPicPr>
+          <p:nvPr userDrawn="1"/>
+        </p:nvPicPr>
+        <p:blipFill>
+          <a:blip r:embed="rId12">
+            <a:clrChange>
+              <a:clrFrom>
+                <a:srgbClr val="FFFFFF"/>
+              </a:clrFrom>
+              <a:clrTo>
+                <a:srgbClr val="FFFFFF">
+                  <a:alpha val="0"/>
+                </a:srgbClr>
+              </a:clrTo>
+            </a:clrChange>
+          </a:blip>
+          <a:stretch>
+            <a:fillRect/>
+          </a:stretch>
+        </p:blipFill>
+        <p:spPr>
+          <a:xfrm rot="5400000">
+            <a:off x="10872595" y="834656"/>
+            <a:ext cx="2126512" cy="457200"/>
+          </a:xfrm>
+          <a:prstGeom prst="rect">
+            <a:avLst/>
+          </a:prstGeom>
+        </p:spPr>
+      </p:pic>
+      <p:pic>
+        <p:nvPicPr>
+          <p:cNvPr id="11" name="Picture 10"/>
+          <p:cNvPicPr>
+            <a:picLocks noChangeAspect="1"/>
+          </p:cNvPicPr>
+          <p:nvPr userDrawn="1"/>
+        </p:nvPicPr>
+        <p:blipFill>
+          <a:blip r:embed="rId13"/>
+          <a:stretch>
+            <a:fillRect/>
+          </a:stretch>
+        </p:blipFill>
+        <p:spPr>
+          <a:xfrm rot="16200000">
+            <a:off x="-247373" y="6012329"/>
+            <a:ext cx="1097280" cy="548640"/>
+          </a:xfrm>
+          <a:prstGeom prst="rect">
+            <a:avLst/>
+          </a:prstGeom>
+        </p:spPr>
+      </p:pic>
     </p:spTree>
     <p:extLst>
       <p:ext uri="{BB962C8B-B14F-4D97-AF65-F5344CB8AC3E}">
@@ -2842,13 +1855,8 @@
     <p:sldLayoutId id="2147483650" r:id="rId2"/>
     <p:sldLayoutId id="2147483651" r:id="rId3"/>
     <p:sldLayoutId id="2147483652" r:id="rId4"/>
-    <p:sldLayoutId id="2147483653" r:id="rId5"/>
-    <p:sldLayoutId id="2147483654" r:id="rId6"/>
-    <p:sldLayoutId id="2147483655" r:id="rId7"/>
-    <p:sldLayoutId id="2147483656" r:id="rId8"/>
-    <p:sldLayoutId id="2147483657" r:id="rId9"/>
-    <p:sldLayoutId id="2147483658" r:id="rId10"/>
-    <p:sldLayoutId id="2147483659" r:id="rId11"/>
+    <p:sldLayoutId id="2147483654" r:id="rId5"/>
+    <p:sldLayoutId id="2147483655" r:id="rId6"/>
   </p:sldLayoutIdLst>
   <p:txStyles>
     <p:titleStyle>
@@ -2862,9 +1870,9 @@
         <a:buNone/>
         <a:defRPr sz="4400" kern="1200">
           <a:solidFill>
-            <a:schemeClr val="tx1"/>
+            <a:srgbClr val="325AA3"/>
           </a:solidFill>
-          <a:latin typeface="+mj-lt"/>
+          <a:latin typeface="Cambria" panose="02040503050406030204" pitchFamily="18" charset="0"/>
           <a:ea typeface="+mj-ea"/>
           <a:cs typeface="+mj-cs"/>
         </a:defRPr>
@@ -3160,31 +2168,36 @@
             <p:ph type="ctrTitle"/>
           </p:nvPr>
         </p:nvSpPr>
-        <p:spPr/>
+        <p:spPr>
+          <a:xfrm>
+            <a:off x="1524000" y="381699"/>
+            <a:ext cx="6717773" cy="2387600"/>
+          </a:xfrm>
+        </p:spPr>
         <p:txBody>
           <a:bodyPr>
-            <a:normAutofit fontScale="90000"/>
+            <a:normAutofit/>
           </a:bodyPr>
           <a:lstStyle/>
           <a:p>
             <a:r>
-              <a:rPr lang="en-US" dirty="0" smtClean="0">
+              <a:rPr lang="en-US" sz="4800" dirty="0" smtClean="0">
                 <a:latin typeface="+mn-lt"/>
               </a:rPr>
               <a:t>SCIENCE-DRIVEN DATA MANAGEMENT FOR</a:t>
             </a:r>
             <a:br>
-              <a:rPr lang="en-US" dirty="0" smtClean="0">
+              <a:rPr lang="en-US" sz="4800" dirty="0" smtClean="0">
                 <a:latin typeface="+mn-lt"/>
               </a:rPr>
             </a:br>
             <a:r>
-              <a:rPr lang="en-US" dirty="0" smtClean="0">
+              <a:rPr lang="en-US" sz="4800" dirty="0" smtClean="0">
                 <a:latin typeface="+mn-lt"/>
               </a:rPr>
               <a:t>MULTI-TIERED STORAGE</a:t>
             </a:r>
-            <a:endParaRPr lang="en-US" dirty="0">
+            <a:endParaRPr lang="en-US" sz="4800" dirty="0">
               <a:latin typeface="+mn-lt"/>
             </a:endParaRPr>
           </a:p>
@@ -3200,34 +2213,59 @@
             <p:ph type="subTitle" idx="1"/>
           </p:nvPr>
         </p:nvSpPr>
-        <p:spPr/>
+        <p:spPr>
+          <a:xfrm>
+            <a:off x="411480" y="3602038"/>
+            <a:ext cx="7830293" cy="1655762"/>
+          </a:xfrm>
+        </p:spPr>
         <p:txBody>
           <a:bodyPr>
             <a:normAutofit lnSpcReduction="10000"/>
           </a:bodyPr>
           <a:lstStyle/>
           <a:p>
+            <a:pPr algn="l"/>
             <a:r>
               <a:rPr lang="en-US" dirty="0" smtClean="0"/>
               <a:t>S. Klasky, H. Abbasi, Q. Liu, F. Wang	ORNL</a:t>
             </a:r>
           </a:p>
           <a:p>
-            <a:r>
-              <a:rPr lang="en-US" dirty="0" smtClean="0"/>
-              <a:t>J. Lofstead, M. Curry, L. Ward		Sandia</a:t>
-            </a:r>
-          </a:p>
-          <a:p>
-            <a:r>
-              <a:rPr lang="en-US" dirty="0" smtClean="0"/>
-              <a:t>M. Parashar				Rutgers</a:t>
-            </a:r>
-          </a:p>
-          <a:p>
-            <a:r>
-              <a:rPr lang="en-US" dirty="0" smtClean="0"/>
-              <a:t>C. Maltzahn				UCSC</a:t>
+            <a:pPr algn="l"/>
+            <a:r>
+              <a:rPr lang="en-US" dirty="0" smtClean="0"/>
+              <a:t>J. Lofstead, M. Curry, L. Ward		</a:t>
+            </a:r>
+            <a:r>
+              <a:rPr lang="en-US" dirty="0" smtClean="0"/>
+              <a:t>Sandia</a:t>
+            </a:r>
+          </a:p>
+          <a:p>
+            <a:pPr algn="l"/>
+            <a:r>
+              <a:rPr lang="en-US" dirty="0" smtClean="0"/>
+              <a:t>M</a:t>
+            </a:r>
+            <a:r>
+              <a:rPr lang="en-US" dirty="0" smtClean="0"/>
+              <a:t>. Parashar				</a:t>
+            </a:r>
+            <a:r>
+              <a:rPr lang="en-US" dirty="0" smtClean="0"/>
+              <a:t>Rutgers</a:t>
+            </a:r>
+          </a:p>
+          <a:p>
+            <a:pPr algn="l"/>
+            <a:r>
+              <a:rPr lang="en-US" dirty="0" smtClean="0"/>
+              <a:t>C</a:t>
+            </a:r>
+            <a:r>
+              <a:rPr lang="en-US" dirty="0" smtClean="0"/>
+              <a:t>. Maltzahn				UCSC</a:t>
             </a:r>
           </a:p>
           <a:p>
@@ -3235,10 +2273,366 @@
           </a:p>
         </p:txBody>
       </p:sp>
+      <p:pic>
+        <p:nvPicPr>
+          <p:cNvPr id="5" name="Picture 4"/>
+          <p:cNvPicPr>
+            <a:picLocks noChangeAspect="1"/>
+          </p:cNvPicPr>
+          <p:nvPr/>
+        </p:nvPicPr>
+        <p:blipFill rotWithShape="1">
+          <a:blip r:embed="rId2" cstate="screen">
+            <a:clrChange>
+              <a:clrFrom>
+                <a:srgbClr val="FFFFFF"/>
+              </a:clrFrom>
+              <a:clrTo>
+                <a:srgbClr val="FFFFFF">
+                  <a:alpha val="0"/>
+                </a:srgbClr>
+              </a:clrTo>
+            </a:clrChange>
+            <a:extLst>
+              <a:ext uri="{28A0092B-C50C-407E-A947-70E740481C1C}">
+                <a14:useLocalDpi xmlns:a14="http://schemas.microsoft.com/office/drawing/2010/main"/>
+              </a:ext>
+            </a:extLst>
+          </a:blip>
+          <a:srcRect/>
+          <a:stretch/>
+        </p:blipFill>
+        <p:spPr>
+          <a:xfrm>
+            <a:off x="7781545" y="146304"/>
+            <a:ext cx="3959352" cy="6309360"/>
+          </a:xfrm>
+          <a:prstGeom prst="rect">
+            <a:avLst/>
+          </a:prstGeom>
+        </p:spPr>
+      </p:pic>
     </p:spTree>
     <p:extLst>
       <p:ext uri="{BB962C8B-B14F-4D97-AF65-F5344CB8AC3E}">
         <p14:creationId xmlns:p14="http://schemas.microsoft.com/office/powerpoint/2010/main" val="3706901124"/>
+      </p:ext>
+    </p:extLst>
+  </p:cSld>
+  <p:clrMapOvr>
+    <a:masterClrMapping/>
+  </p:clrMapOvr>
+  <p:timing>
+    <p:tnLst>
+      <p:par>
+        <p:cTn id="1" dur="indefinite" restart="never" nodeType="tmRoot"/>
+      </p:par>
+    </p:tnLst>
+  </p:timing>
+</p:sld>
+</file>
+
+<file path=ppt/slides/slide10.xml><?xml version="1.0" encoding="utf-8"?>
+<p:sld xmlns:a="http://schemas.openxmlformats.org/drawingml/2006/main" xmlns:r="http://schemas.openxmlformats.org/officeDocument/2006/relationships" xmlns:p="http://schemas.openxmlformats.org/presentationml/2006/main">
+  <p:cSld>
+    <p:spTree>
+      <p:nvGrpSpPr>
+        <p:cNvPr id="1" name=""/>
+        <p:cNvGrpSpPr/>
+        <p:nvPr/>
+      </p:nvGrpSpPr>
+      <p:grpSpPr>
+        <a:xfrm>
+          <a:off x="0" y="0"/>
+          <a:ext cx="0" cy="0"/>
+          <a:chOff x="0" y="0"/>
+          <a:chExt cx="0" cy="0"/>
+        </a:xfrm>
+      </p:grpSpPr>
+      <p:sp>
+        <p:nvSpPr>
+          <p:cNvPr id="2" name="Title 1"/>
+          <p:cNvSpPr>
+            <a:spLocks noGrp="1"/>
+          </p:cNvSpPr>
+          <p:nvPr>
+            <p:ph type="title"/>
+          </p:nvPr>
+        </p:nvSpPr>
+        <p:spPr/>
+        <p:txBody>
+          <a:bodyPr/>
+          <a:lstStyle/>
+          <a:p>
+            <a:r>
+              <a:rPr lang="en-US" dirty="0" smtClean="0"/>
+              <a:t>Simple Study from XGC cyclone case</a:t>
+            </a:r>
+            <a:endParaRPr lang="en-US" dirty="0"/>
+          </a:p>
+        </p:txBody>
+      </p:sp>
+      <p:sp>
+        <p:nvSpPr>
+          <p:cNvPr id="3" name="Content Placeholder 2"/>
+          <p:cNvSpPr>
+            <a:spLocks noGrp="1"/>
+          </p:cNvSpPr>
+          <p:nvPr>
+            <p:ph idx="1"/>
+          </p:nvPr>
+        </p:nvSpPr>
+        <p:spPr/>
+        <p:txBody>
+          <a:bodyPr/>
+          <a:lstStyle/>
+          <a:p>
+            <a:r>
+              <a:rPr lang="en-US" dirty="0" smtClean="0"/>
+              <a:t>If we take the first three digits then the error in the spatial </a:t>
+            </a:r>
+            <a:r>
+              <a:rPr lang="en-US" dirty="0" err="1" smtClean="0"/>
+              <a:t>derivates</a:t>
+            </a:r>
+            <a:r>
+              <a:rPr lang="en-US" dirty="0" smtClean="0"/>
+              <a:t> are O(10</a:t>
+            </a:r>
+            <a:r>
+              <a:rPr lang="en-US" baseline="30000" dirty="0" smtClean="0"/>
+              <a:t>-3</a:t>
+            </a:r>
+            <a:r>
+              <a:rPr lang="en-US" dirty="0" smtClean="0"/>
+              <a:t>)</a:t>
+            </a:r>
+          </a:p>
+          <a:p>
+            <a:r>
+              <a:rPr lang="en-US" dirty="0" smtClean="0"/>
+              <a:t>Sorting the values (in chunks) and then compressing can greatly reduce entropy</a:t>
+            </a:r>
+          </a:p>
+          <a:p>
+            <a:r>
+              <a:rPr lang="en-US" dirty="0" smtClean="0"/>
+              <a:t>Open Questions</a:t>
+            </a:r>
+          </a:p>
+          <a:p>
+            <a:pPr lvl="1"/>
+            <a:r>
+              <a:rPr lang="en-US" dirty="0" smtClean="0"/>
+              <a:t>Going through the </a:t>
+            </a:r>
+            <a:r>
+              <a:rPr lang="en-US" dirty="0" err="1" smtClean="0"/>
+              <a:t>Matlab</a:t>
+            </a:r>
+            <a:r>
+              <a:rPr lang="en-US" dirty="0" smtClean="0"/>
+              <a:t> and IDL code from scientist for typical analysis will allow us to further understand the errors</a:t>
+            </a:r>
+          </a:p>
+          <a:p>
+            <a:pPr lvl="1"/>
+            <a:r>
+              <a:rPr lang="en-US" dirty="0" smtClean="0"/>
+              <a:t>What parts of data go to which parts of the storage?</a:t>
+            </a:r>
+          </a:p>
+          <a:p>
+            <a:pPr lvl="1"/>
+            <a:endParaRPr lang="en-US" dirty="0" smtClean="0"/>
+          </a:p>
+        </p:txBody>
+      </p:sp>
+    </p:spTree>
+    <p:extLst>
+      <p:ext uri="{BB962C8B-B14F-4D97-AF65-F5344CB8AC3E}">
+        <p14:creationId xmlns:p14="http://schemas.microsoft.com/office/powerpoint/2010/main" val="4003279168"/>
+      </p:ext>
+    </p:extLst>
+  </p:cSld>
+  <p:clrMapOvr>
+    <a:masterClrMapping/>
+  </p:clrMapOvr>
+</p:sld>
+</file>
+
+<file path=ppt/slides/slide11.xml><?xml version="1.0" encoding="utf-8"?>
+<p:sld xmlns:a="http://schemas.openxmlformats.org/drawingml/2006/main" xmlns:r="http://schemas.openxmlformats.org/officeDocument/2006/relationships" xmlns:p="http://schemas.openxmlformats.org/presentationml/2006/main">
+  <p:cSld>
+    <p:spTree>
+      <p:nvGrpSpPr>
+        <p:cNvPr id="1" name=""/>
+        <p:cNvGrpSpPr/>
+        <p:nvPr/>
+      </p:nvGrpSpPr>
+      <p:grpSpPr>
+        <a:xfrm>
+          <a:off x="0" y="0"/>
+          <a:ext cx="0" cy="0"/>
+          <a:chOff x="0" y="0"/>
+          <a:chExt cx="0" cy="0"/>
+        </a:xfrm>
+      </p:grpSpPr>
+      <p:sp>
+        <p:nvSpPr>
+          <p:cNvPr id="2" name="Title 1"/>
+          <p:cNvSpPr>
+            <a:spLocks noGrp="1"/>
+          </p:cNvSpPr>
+          <p:nvPr>
+            <p:ph type="title"/>
+          </p:nvPr>
+        </p:nvSpPr>
+        <p:spPr/>
+        <p:txBody>
+          <a:bodyPr/>
+          <a:lstStyle/>
+          <a:p>
+            <a:r>
+              <a:rPr lang="en-US" dirty="0" smtClean="0"/>
+              <a:t>Suggestion</a:t>
+            </a:r>
+            <a:endParaRPr lang="en-US" dirty="0"/>
+          </a:p>
+        </p:txBody>
+      </p:sp>
+      <p:sp>
+        <p:nvSpPr>
+          <p:cNvPr id="3" name="Content Placeholder 2"/>
+          <p:cNvSpPr>
+            <a:spLocks noGrp="1"/>
+          </p:cNvSpPr>
+          <p:nvPr>
+            <p:ph idx="1"/>
+          </p:nvPr>
+        </p:nvSpPr>
+        <p:spPr/>
+        <p:txBody>
+          <a:bodyPr/>
+          <a:lstStyle/>
+          <a:p>
+            <a:r>
+              <a:rPr lang="en-US" dirty="0" smtClean="0"/>
+              <a:t>XGC1 is good test case for a PIC simulation</a:t>
+            </a:r>
+          </a:p>
+          <a:p>
+            <a:r>
+              <a:rPr lang="en-US" dirty="0" smtClean="0"/>
+              <a:t>Look at a Finite Difference or Finite </a:t>
+            </a:r>
+            <a:r>
+              <a:rPr lang="en-US" smtClean="0"/>
+              <a:t>Element Simulation too </a:t>
+            </a:r>
+          </a:p>
+          <a:p>
+            <a:endParaRPr lang="en-US"/>
+          </a:p>
+        </p:txBody>
+      </p:sp>
+    </p:spTree>
+    <p:extLst>
+      <p:ext uri="{BB962C8B-B14F-4D97-AF65-F5344CB8AC3E}">
+        <p14:creationId xmlns:p14="http://schemas.microsoft.com/office/powerpoint/2010/main" val="758539758"/>
+      </p:ext>
+    </p:extLst>
+  </p:cSld>
+  <p:clrMapOvr>
+    <a:masterClrMapping/>
+  </p:clrMapOvr>
+</p:sld>
+</file>
+
+<file path=ppt/slides/slide12.xml><?xml version="1.0" encoding="utf-8"?>
+<p:sld xmlns:a="http://schemas.openxmlformats.org/drawingml/2006/main" xmlns:r="http://schemas.openxmlformats.org/officeDocument/2006/relationships" xmlns:p="http://schemas.openxmlformats.org/presentationml/2006/main">
+  <p:cSld>
+    <p:spTree>
+      <p:nvGrpSpPr>
+        <p:cNvPr id="1" name=""/>
+        <p:cNvGrpSpPr/>
+        <p:nvPr/>
+      </p:nvGrpSpPr>
+      <p:grpSpPr>
+        <a:xfrm>
+          <a:off x="0" y="0"/>
+          <a:ext cx="0" cy="0"/>
+          <a:chOff x="0" y="0"/>
+          <a:chExt cx="0" cy="0"/>
+        </a:xfrm>
+      </p:grpSpPr>
+      <p:sp>
+        <p:nvSpPr>
+          <p:cNvPr id="2" name="Title 1"/>
+          <p:cNvSpPr>
+            <a:spLocks noGrp="1"/>
+          </p:cNvSpPr>
+          <p:nvPr>
+            <p:ph type="title"/>
+          </p:nvPr>
+        </p:nvSpPr>
+        <p:spPr/>
+        <p:txBody>
+          <a:bodyPr/>
+          <a:lstStyle/>
+          <a:p>
+            <a:r>
+              <a:rPr lang="en-US" dirty="0" smtClean="0"/>
+              <a:t>Demo(s)</a:t>
+            </a:r>
+            <a:endParaRPr lang="en-US" dirty="0"/>
+          </a:p>
+        </p:txBody>
+      </p:sp>
+      <p:sp>
+        <p:nvSpPr>
+          <p:cNvPr id="3" name="Content Placeholder 2"/>
+          <p:cNvSpPr>
+            <a:spLocks noGrp="1"/>
+          </p:cNvSpPr>
+          <p:nvPr>
+            <p:ph idx="1"/>
+          </p:nvPr>
+        </p:nvSpPr>
+        <p:spPr/>
+        <p:txBody>
+          <a:bodyPr/>
+          <a:lstStyle/>
+          <a:p>
+            <a:r>
+              <a:rPr lang="en-US" dirty="0" smtClean="0"/>
+              <a:t>We need to demonstrate our software to Lucy in 1 year from our start date</a:t>
+            </a:r>
+          </a:p>
+          <a:p>
+            <a:pPr lvl="1"/>
+            <a:r>
+              <a:rPr lang="en-US" dirty="0" smtClean="0"/>
+              <a:t>Want to show several aspects of our software stack</a:t>
+            </a:r>
+          </a:p>
+          <a:p>
+            <a:pPr lvl="1"/>
+            <a:r>
+              <a:rPr lang="en-US" dirty="0" smtClean="0"/>
+              <a:t>Want everyone to participate</a:t>
+            </a:r>
+          </a:p>
+          <a:p>
+            <a:pPr lvl="1"/>
+            <a:endParaRPr lang="en-US" dirty="0"/>
+          </a:p>
+        </p:txBody>
+      </p:sp>
+    </p:spTree>
+    <p:extLst>
+      <p:ext uri="{BB962C8B-B14F-4D97-AF65-F5344CB8AC3E}">
+        <p14:creationId xmlns:p14="http://schemas.microsoft.com/office/powerpoint/2010/main" val="724064069"/>
       </p:ext>
     </p:extLst>
   </p:cSld>
@@ -3349,6 +2743,3083 @@
     <p:extLst>
       <p:ext uri="{BB962C8B-B14F-4D97-AF65-F5344CB8AC3E}">
         <p14:creationId xmlns:p14="http://schemas.microsoft.com/office/powerpoint/2010/main" val="3099763954"/>
+      </p:ext>
+    </p:extLst>
+  </p:cSld>
+  <p:clrMapOvr>
+    <a:masterClrMapping/>
+  </p:clrMapOvr>
+  <p:timing>
+    <p:tnLst>
+      <p:par>
+        <p:cTn id="1" dur="indefinite" restart="never" nodeType="tmRoot"/>
+      </p:par>
+    </p:tnLst>
+  </p:timing>
+</p:sld>
+</file>
+
+<file path=ppt/slides/slide3.xml><?xml version="1.0" encoding="utf-8"?>
+<p:sld xmlns:a="http://schemas.openxmlformats.org/drawingml/2006/main" xmlns:r="http://schemas.openxmlformats.org/officeDocument/2006/relationships" xmlns:p="http://schemas.openxmlformats.org/presentationml/2006/main">
+  <p:cSld>
+    <p:spTree>
+      <p:nvGrpSpPr>
+        <p:cNvPr id="1" name=""/>
+        <p:cNvGrpSpPr/>
+        <p:nvPr/>
+      </p:nvGrpSpPr>
+      <p:grpSpPr>
+        <a:xfrm>
+          <a:off x="0" y="0"/>
+          <a:ext cx="0" cy="0"/>
+          <a:chOff x="0" y="0"/>
+          <a:chExt cx="0" cy="0"/>
+        </a:xfrm>
+      </p:grpSpPr>
+      <p:sp>
+        <p:nvSpPr>
+          <p:cNvPr id="2" name="Title 1"/>
+          <p:cNvSpPr>
+            <a:spLocks noGrp="1"/>
+          </p:cNvSpPr>
+          <p:nvPr>
+            <p:ph type="title"/>
+          </p:nvPr>
+        </p:nvSpPr>
+        <p:spPr/>
+        <p:txBody>
+          <a:bodyPr/>
+          <a:lstStyle/>
+          <a:p>
+            <a:r>
+              <a:rPr lang="en-US" dirty="0" smtClean="0"/>
+              <a:t>SIRIUS team </a:t>
+            </a:r>
+            <a:endParaRPr lang="en-US" dirty="0"/>
+          </a:p>
+        </p:txBody>
+      </p:sp>
+      <p:sp>
+        <p:nvSpPr>
+          <p:cNvPr id="3" name="Content Placeholder 2"/>
+          <p:cNvSpPr>
+            <a:spLocks noGrp="1"/>
+          </p:cNvSpPr>
+          <p:nvPr>
+            <p:ph idx="1"/>
+          </p:nvPr>
+        </p:nvSpPr>
+        <p:spPr/>
+        <p:txBody>
+          <a:bodyPr numCol="2"/>
+          <a:lstStyle/>
+          <a:p>
+            <a:r>
+              <a:rPr lang="en-US" dirty="0" smtClean="0"/>
+              <a:t>ORNL</a:t>
+            </a:r>
+          </a:p>
+          <a:p>
+            <a:pPr lvl="1"/>
+            <a:r>
+              <a:rPr lang="en-US" u="sng" dirty="0" smtClean="0"/>
+              <a:t>Scott Klasky</a:t>
+            </a:r>
+          </a:p>
+          <a:p>
+            <a:pPr lvl="1"/>
+            <a:r>
+              <a:rPr lang="en-US" dirty="0" smtClean="0"/>
+              <a:t>Hasan Abbasi</a:t>
+            </a:r>
+          </a:p>
+          <a:p>
+            <a:pPr lvl="1"/>
+            <a:r>
+              <a:rPr lang="en-US" dirty="0" smtClean="0"/>
+              <a:t>Mark Ainsworth</a:t>
+            </a:r>
+          </a:p>
+          <a:p>
+            <a:pPr lvl="1"/>
+            <a:r>
+              <a:rPr lang="en-US" dirty="0" smtClean="0"/>
+              <a:t>Gary Liu</a:t>
+            </a:r>
+          </a:p>
+          <a:p>
+            <a:pPr lvl="1"/>
+            <a:r>
+              <a:rPr lang="en-US" dirty="0" smtClean="0"/>
+              <a:t>Feiyi Wang</a:t>
+            </a:r>
+          </a:p>
+          <a:p>
+            <a:r>
+              <a:rPr lang="en-US" dirty="0" smtClean="0"/>
+              <a:t>Sandia</a:t>
+            </a:r>
+          </a:p>
+          <a:p>
+            <a:pPr lvl="1"/>
+            <a:r>
+              <a:rPr lang="en-US" u="sng" dirty="0" smtClean="0"/>
+              <a:t>Jay Lofstead</a:t>
+            </a:r>
+          </a:p>
+          <a:p>
+            <a:pPr lvl="1"/>
+            <a:r>
+              <a:rPr lang="en-US" dirty="0" smtClean="0"/>
+              <a:t>Matthew Curry</a:t>
+            </a:r>
+          </a:p>
+          <a:p>
+            <a:pPr lvl="1"/>
+            <a:r>
+              <a:rPr lang="en-US" dirty="0" smtClean="0"/>
+              <a:t>Lee Ward</a:t>
+            </a:r>
+          </a:p>
+          <a:p>
+            <a:pPr lvl="1"/>
+            <a:endParaRPr lang="en-US" dirty="0" smtClean="0"/>
+          </a:p>
+          <a:p>
+            <a:pPr lvl="1"/>
+            <a:endParaRPr lang="en-US" dirty="0"/>
+          </a:p>
+          <a:p>
+            <a:r>
+              <a:rPr lang="en-US" dirty="0" smtClean="0"/>
+              <a:t>Rutgers</a:t>
+            </a:r>
+          </a:p>
+          <a:p>
+            <a:pPr lvl="1"/>
+            <a:r>
+              <a:rPr lang="en-US" dirty="0" smtClean="0"/>
+              <a:t>Manish Parashar</a:t>
+            </a:r>
+          </a:p>
+          <a:p>
+            <a:r>
+              <a:rPr lang="en-US" dirty="0" smtClean="0"/>
+              <a:t>UCSC</a:t>
+            </a:r>
+          </a:p>
+          <a:p>
+            <a:pPr lvl="1"/>
+            <a:r>
+              <a:rPr lang="en-US" dirty="0"/>
+              <a:t>Carlos </a:t>
+            </a:r>
+            <a:r>
+              <a:rPr lang="en-US" dirty="0" smtClean="0"/>
+              <a:t>Maltzahn</a:t>
+            </a:r>
+            <a:endParaRPr lang="en-US" dirty="0"/>
+          </a:p>
+        </p:txBody>
+      </p:sp>
+    </p:spTree>
+    <p:extLst>
+      <p:ext uri="{BB962C8B-B14F-4D97-AF65-F5344CB8AC3E}">
+        <p14:creationId xmlns:p14="http://schemas.microsoft.com/office/powerpoint/2010/main" val="1661651307"/>
+      </p:ext>
+    </p:extLst>
+  </p:cSld>
+  <p:clrMapOvr>
+    <a:masterClrMapping/>
+  </p:clrMapOvr>
+</p:sld>
+</file>
+
+<file path=ppt/slides/slide4.xml><?xml version="1.0" encoding="utf-8"?>
+<p:sld xmlns:a="http://schemas.openxmlformats.org/drawingml/2006/main" xmlns:r="http://schemas.openxmlformats.org/officeDocument/2006/relationships" xmlns:p="http://schemas.openxmlformats.org/presentationml/2006/main">
+  <p:cSld>
+    <p:spTree>
+      <p:nvGrpSpPr>
+        <p:cNvPr id="1" name=""/>
+        <p:cNvGrpSpPr/>
+        <p:nvPr/>
+      </p:nvGrpSpPr>
+      <p:grpSpPr>
+        <a:xfrm>
+          <a:off x="0" y="0"/>
+          <a:ext cx="0" cy="0"/>
+          <a:chOff x="0" y="0"/>
+          <a:chExt cx="0" cy="0"/>
+        </a:xfrm>
+      </p:grpSpPr>
+      <p:sp>
+        <p:nvSpPr>
+          <p:cNvPr id="2" name="Title 1"/>
+          <p:cNvSpPr>
+            <a:spLocks noGrp="1"/>
+          </p:cNvSpPr>
+          <p:nvPr>
+            <p:ph type="title"/>
+          </p:nvPr>
+        </p:nvSpPr>
+        <p:spPr/>
+        <p:txBody>
+          <a:bodyPr/>
+          <a:lstStyle/>
+          <a:p>
+            <a:r>
+              <a:rPr lang="en-US" dirty="0" smtClean="0"/>
+              <a:t>Deliverables – Year 1</a:t>
+            </a:r>
+            <a:endParaRPr lang="en-US" dirty="0"/>
+          </a:p>
+        </p:txBody>
+      </p:sp>
+      <p:sp>
+        <p:nvSpPr>
+          <p:cNvPr id="3" name="Content Placeholder 2"/>
+          <p:cNvSpPr>
+            <a:spLocks noGrp="1"/>
+          </p:cNvSpPr>
+          <p:nvPr>
+            <p:ph idx="1"/>
+          </p:nvPr>
+        </p:nvSpPr>
+        <p:spPr>
+          <a:xfrm>
+            <a:off x="838200" y="1088136"/>
+            <a:ext cx="10515600" cy="5340096"/>
+          </a:xfrm>
+        </p:spPr>
+        <p:txBody>
+          <a:bodyPr>
+            <a:normAutofit/>
+          </a:bodyPr>
+          <a:lstStyle/>
+          <a:p>
+            <a:r>
+              <a:rPr lang="en-US" dirty="0" smtClean="0"/>
+              <a:t>Develop </a:t>
+            </a:r>
+            <a:r>
+              <a:rPr lang="en-US" dirty="0"/>
+              <a:t>techniques for data description to describe the data utility based on user expectations. (ORNL)</a:t>
+            </a:r>
+          </a:p>
+          <a:p>
+            <a:r>
+              <a:rPr lang="en-US" dirty="0" smtClean="0"/>
+              <a:t>Evaluate </a:t>
+            </a:r>
+            <a:r>
+              <a:rPr lang="en-US" dirty="0"/>
+              <a:t>general techniques for refactoring of data that will be embedded in the system . (ORNL)</a:t>
+            </a:r>
+          </a:p>
+          <a:p>
+            <a:r>
+              <a:rPr lang="en-US" dirty="0" smtClean="0"/>
+              <a:t>Explore </a:t>
+            </a:r>
+            <a:r>
+              <a:rPr lang="en-US" dirty="0"/>
+              <a:t>the use of application hints and utility of data to guide the initial placement of data. (Rutgers)</a:t>
+            </a:r>
+          </a:p>
+          <a:p>
+            <a:r>
+              <a:rPr lang="en-US" dirty="0" smtClean="0"/>
+              <a:t>Investigate </a:t>
+            </a:r>
+            <a:r>
+              <a:rPr lang="en-US" dirty="0"/>
+              <a:t>the </a:t>
+            </a:r>
+            <a:r>
+              <a:rPr lang="en-US" dirty="0" smtClean="0"/>
+              <a:t>trade-off between </a:t>
+            </a:r>
+            <a:r>
+              <a:rPr lang="en-US" dirty="0"/>
+              <a:t>“filing” and “piling” data. Demonstrate a time bounded search approach </a:t>
+            </a:r>
+            <a:r>
+              <a:rPr lang="en-US" dirty="0" smtClean="0"/>
+              <a:t>for finding </a:t>
+            </a:r>
+            <a:r>
+              <a:rPr lang="en-US" dirty="0"/>
+              <a:t>data within the storage system to identify data and the current location. (UCSC)</a:t>
+            </a:r>
+          </a:p>
+          <a:p>
+            <a:r>
+              <a:rPr lang="en-US" dirty="0" smtClean="0"/>
+              <a:t>Demonstrate </a:t>
+            </a:r>
+            <a:r>
+              <a:rPr lang="en-US" dirty="0"/>
+              <a:t>a metadata service capable of serving both POSIX clients and our clients. (Sandia</a:t>
+            </a:r>
+            <a:r>
+              <a:rPr lang="en-US" dirty="0" smtClean="0"/>
+              <a:t>)</a:t>
+            </a:r>
+            <a:endParaRPr lang="en-US" dirty="0"/>
+          </a:p>
+        </p:txBody>
+      </p:sp>
+    </p:spTree>
+    <p:extLst>
+      <p:ext uri="{BB962C8B-B14F-4D97-AF65-F5344CB8AC3E}">
+        <p14:creationId xmlns:p14="http://schemas.microsoft.com/office/powerpoint/2010/main" val="3159252220"/>
+      </p:ext>
+    </p:extLst>
+  </p:cSld>
+  <p:clrMapOvr>
+    <a:masterClrMapping/>
+  </p:clrMapOvr>
+</p:sld>
+</file>
+
+<file path=ppt/slides/slide5.xml><?xml version="1.0" encoding="utf-8"?>
+<p:sld xmlns:a="http://schemas.openxmlformats.org/drawingml/2006/main" xmlns:r="http://schemas.openxmlformats.org/officeDocument/2006/relationships" xmlns:p="http://schemas.openxmlformats.org/presentationml/2006/main">
+  <p:cSld>
+    <p:spTree>
+      <p:nvGrpSpPr>
+        <p:cNvPr id="1" name=""/>
+        <p:cNvGrpSpPr/>
+        <p:nvPr/>
+      </p:nvGrpSpPr>
+      <p:grpSpPr>
+        <a:xfrm>
+          <a:off x="0" y="0"/>
+          <a:ext cx="0" cy="0"/>
+          <a:chOff x="0" y="0"/>
+          <a:chExt cx="0" cy="0"/>
+        </a:xfrm>
+      </p:grpSpPr>
+      <p:sp>
+        <p:nvSpPr>
+          <p:cNvPr id="2" name="Title 1"/>
+          <p:cNvSpPr>
+            <a:spLocks noGrp="1"/>
+          </p:cNvSpPr>
+          <p:nvPr>
+            <p:ph type="title"/>
+          </p:nvPr>
+        </p:nvSpPr>
+        <p:spPr/>
+        <p:txBody>
+          <a:bodyPr/>
+          <a:lstStyle/>
+          <a:p>
+            <a:r>
+              <a:rPr lang="en-US" dirty="0" smtClean="0"/>
+              <a:t>Deliverables – Year 2</a:t>
+            </a:r>
+            <a:endParaRPr lang="en-US" dirty="0"/>
+          </a:p>
+        </p:txBody>
+      </p:sp>
+      <p:sp>
+        <p:nvSpPr>
+          <p:cNvPr id="3" name="Content Placeholder 2"/>
+          <p:cNvSpPr>
+            <a:spLocks noGrp="1"/>
+          </p:cNvSpPr>
+          <p:nvPr>
+            <p:ph idx="1"/>
+          </p:nvPr>
+        </p:nvSpPr>
+        <p:spPr>
+          <a:xfrm>
+            <a:off x="838200" y="1088136"/>
+            <a:ext cx="10515600" cy="5340096"/>
+          </a:xfrm>
+        </p:spPr>
+        <p:txBody>
+          <a:bodyPr>
+            <a:normAutofit/>
+          </a:bodyPr>
+          <a:lstStyle/>
+          <a:p>
+            <a:r>
+              <a:rPr lang="en-US" dirty="0" smtClean="0"/>
+              <a:t>Develop a querying system to allow applications to inquire about completion timing information. (ORNL)</a:t>
+            </a:r>
+          </a:p>
+          <a:p>
+            <a:r>
+              <a:rPr lang="en-US" dirty="0" smtClean="0"/>
+              <a:t>Evaluate </a:t>
+            </a:r>
+            <a:r>
+              <a:rPr lang="en-US" dirty="0"/>
+              <a:t>the </a:t>
+            </a:r>
+            <a:r>
+              <a:rPr lang="en-US" dirty="0" smtClean="0"/>
+              <a:t>effectiveness </a:t>
+            </a:r>
+            <a:r>
+              <a:rPr lang="en-US" dirty="0"/>
+              <a:t>and overhead to re-organize data and use the multi-layer approach to staging. (ORNL)</a:t>
+            </a:r>
+          </a:p>
+          <a:p>
+            <a:r>
+              <a:rPr lang="en-US" dirty="0" smtClean="0"/>
+              <a:t>Research </a:t>
+            </a:r>
+            <a:r>
+              <a:rPr lang="en-US" dirty="0"/>
+              <a:t>autonomic data management strategies that can evaluate utility/cost </a:t>
+            </a:r>
+            <a:r>
+              <a:rPr lang="en-US" dirty="0" smtClean="0"/>
+              <a:t>trade-o, </a:t>
+            </a:r>
+            <a:r>
+              <a:rPr lang="en-US" dirty="0"/>
+              <a:t>and appropriately place</a:t>
+            </a:r>
+            <a:r>
+              <a:rPr lang="en-US" dirty="0" smtClean="0"/>
+              <a:t>/-move </a:t>
+            </a:r>
+            <a:r>
+              <a:rPr lang="en-US" dirty="0"/>
+              <a:t>data objects at runtime. </a:t>
+            </a:r>
+            <a:endParaRPr lang="en-US" dirty="0" smtClean="0"/>
+          </a:p>
+          <a:p>
+            <a:r>
+              <a:rPr lang="en-US" dirty="0" smtClean="0"/>
+              <a:t>Research </a:t>
+            </a:r>
+            <a:r>
+              <a:rPr lang="en-US" dirty="0"/>
+              <a:t>runtime tracking and estimation. (Rutgers)</a:t>
+            </a:r>
+          </a:p>
+          <a:p>
+            <a:r>
+              <a:rPr lang="en-US" dirty="0" smtClean="0"/>
+              <a:t>Extend </a:t>
+            </a:r>
+            <a:r>
+              <a:rPr lang="en-US" dirty="0"/>
+              <a:t>Sirocco to enforce data-centric metrics that help guide the </a:t>
+            </a:r>
+            <a:r>
+              <a:rPr lang="en-US" dirty="0" err="1"/>
+              <a:t>QoS</a:t>
+            </a:r>
+            <a:r>
+              <a:rPr lang="en-US" dirty="0"/>
+              <a:t> decisions. (Sandia)</a:t>
+            </a:r>
+          </a:p>
+          <a:p>
+            <a:r>
+              <a:rPr lang="en-US" dirty="0" smtClean="0"/>
+              <a:t>Prototype </a:t>
+            </a:r>
+            <a:r>
+              <a:rPr lang="en-US" dirty="0"/>
+              <a:t>time bounded search approach for finding data within the storage system (</a:t>
+            </a:r>
+            <a:r>
+              <a:rPr lang="en-US" dirty="0" smtClean="0"/>
+              <a:t>UCSC)</a:t>
+            </a:r>
+          </a:p>
+        </p:txBody>
+      </p:sp>
+    </p:spTree>
+    <p:extLst>
+      <p:ext uri="{BB962C8B-B14F-4D97-AF65-F5344CB8AC3E}">
+        <p14:creationId xmlns:p14="http://schemas.microsoft.com/office/powerpoint/2010/main" val="3230314559"/>
+      </p:ext>
+    </p:extLst>
+  </p:cSld>
+  <p:clrMapOvr>
+    <a:masterClrMapping/>
+  </p:clrMapOvr>
+  <p:timing>
+    <p:tnLst>
+      <p:par>
+        <p:cTn id="1" dur="indefinite" restart="never" nodeType="tmRoot"/>
+      </p:par>
+    </p:tnLst>
+  </p:timing>
+</p:sld>
+</file>
+
+<file path=ppt/slides/slide6.xml><?xml version="1.0" encoding="utf-8"?>
+<p:sld xmlns:a="http://schemas.openxmlformats.org/drawingml/2006/main" xmlns:r="http://schemas.openxmlformats.org/officeDocument/2006/relationships" xmlns:p="http://schemas.openxmlformats.org/presentationml/2006/main">
+  <p:cSld>
+    <p:spTree>
+      <p:nvGrpSpPr>
+        <p:cNvPr id="1" name=""/>
+        <p:cNvGrpSpPr/>
+        <p:nvPr/>
+      </p:nvGrpSpPr>
+      <p:grpSpPr>
+        <a:xfrm>
+          <a:off x="0" y="0"/>
+          <a:ext cx="0" cy="0"/>
+          <a:chOff x="0" y="0"/>
+          <a:chExt cx="0" cy="0"/>
+        </a:xfrm>
+      </p:grpSpPr>
+      <p:sp>
+        <p:nvSpPr>
+          <p:cNvPr id="2" name="Title 1"/>
+          <p:cNvSpPr>
+            <a:spLocks noGrp="1"/>
+          </p:cNvSpPr>
+          <p:nvPr>
+            <p:ph type="title"/>
+          </p:nvPr>
+        </p:nvSpPr>
+        <p:spPr/>
+        <p:txBody>
+          <a:bodyPr/>
+          <a:lstStyle/>
+          <a:p>
+            <a:r>
+              <a:rPr lang="en-US" dirty="0" smtClean="0"/>
+              <a:t>Deliverables – Year 3</a:t>
+            </a:r>
+            <a:endParaRPr lang="en-US" dirty="0"/>
+          </a:p>
+        </p:txBody>
+      </p:sp>
+      <p:sp>
+        <p:nvSpPr>
+          <p:cNvPr id="3" name="Content Placeholder 2"/>
+          <p:cNvSpPr>
+            <a:spLocks noGrp="1"/>
+          </p:cNvSpPr>
+          <p:nvPr>
+            <p:ph idx="1"/>
+          </p:nvPr>
+        </p:nvSpPr>
+        <p:spPr>
+          <a:xfrm>
+            <a:off x="838200" y="1088136"/>
+            <a:ext cx="10515600" cy="5340096"/>
+          </a:xfrm>
+        </p:spPr>
+        <p:txBody>
+          <a:bodyPr>
+            <a:normAutofit/>
+          </a:bodyPr>
+          <a:lstStyle/>
+          <a:p>
+            <a:r>
+              <a:rPr lang="en-US" dirty="0" smtClean="0"/>
+              <a:t>Work </a:t>
+            </a:r>
+            <a:r>
+              <a:rPr lang="en-US" dirty="0"/>
+              <a:t>with DOE applications to assess the new I/O interface including both APIs and hints. (ORNL, Rutgers)</a:t>
+            </a:r>
+          </a:p>
+          <a:p>
+            <a:r>
+              <a:rPr lang="en-US" dirty="0" smtClean="0"/>
+              <a:t>Prototype </a:t>
+            </a:r>
+            <a:r>
+              <a:rPr lang="en-US" dirty="0"/>
+              <a:t>new </a:t>
+            </a:r>
+            <a:r>
+              <a:rPr lang="en-US" dirty="0" err="1"/>
+              <a:t>QoS</a:t>
+            </a:r>
+            <a:r>
+              <a:rPr lang="en-US" dirty="0"/>
+              <a:t> methods for storing &amp; retrieving data in given time bounds. (ORNL, UCSC)</a:t>
+            </a:r>
+          </a:p>
+          <a:p>
+            <a:r>
+              <a:rPr lang="en-US" dirty="0" smtClean="0"/>
+              <a:t>Demonstrate </a:t>
+            </a:r>
+            <a:r>
+              <a:rPr lang="en-US" dirty="0"/>
+              <a:t>admission control and show scalability for application loads and storage system pressures to </a:t>
+            </a:r>
+            <a:r>
+              <a:rPr lang="en-US" dirty="0" smtClean="0"/>
+              <a:t>maintain quality </a:t>
+            </a:r>
+            <a:r>
+              <a:rPr lang="en-US" dirty="0"/>
+              <a:t>of service. (Sandia, UCSC)</a:t>
+            </a:r>
+          </a:p>
+        </p:txBody>
+      </p:sp>
+    </p:spTree>
+    <p:extLst>
+      <p:ext uri="{BB962C8B-B14F-4D97-AF65-F5344CB8AC3E}">
+        <p14:creationId xmlns:p14="http://schemas.microsoft.com/office/powerpoint/2010/main" val="3333079714"/>
+      </p:ext>
+    </p:extLst>
+  </p:cSld>
+  <p:clrMapOvr>
+    <a:masterClrMapping/>
+  </p:clrMapOvr>
+  <p:timing>
+    <p:tnLst>
+      <p:par>
+        <p:cTn id="1" dur="indefinite" restart="never" nodeType="tmRoot"/>
+      </p:par>
+    </p:tnLst>
+  </p:timing>
+</p:sld>
+</file>
+
+<file path=ppt/slides/slide7.xml><?xml version="1.0" encoding="utf-8"?>
+<p:sld xmlns:a="http://schemas.openxmlformats.org/drawingml/2006/main" xmlns:r="http://schemas.openxmlformats.org/officeDocument/2006/relationships" xmlns:p="http://schemas.openxmlformats.org/presentationml/2006/main">
+  <p:cSld>
+    <p:spTree>
+      <p:nvGrpSpPr>
+        <p:cNvPr id="1" name=""/>
+        <p:cNvGrpSpPr/>
+        <p:nvPr/>
+      </p:nvGrpSpPr>
+      <p:grpSpPr>
+        <a:xfrm>
+          <a:off x="0" y="0"/>
+          <a:ext cx="0" cy="0"/>
+          <a:chOff x="0" y="0"/>
+          <a:chExt cx="0" cy="0"/>
+        </a:xfrm>
+      </p:grpSpPr>
+      <p:sp>
+        <p:nvSpPr>
+          <p:cNvPr id="133" name="Rectangle 132"/>
+          <p:cNvSpPr/>
+          <p:nvPr/>
+        </p:nvSpPr>
+        <p:spPr>
+          <a:xfrm>
+            <a:off x="3336950" y="1058899"/>
+            <a:ext cx="4737410" cy="354190"/>
+          </a:xfrm>
+          <a:prstGeom prst="rect">
+            <a:avLst/>
+          </a:prstGeom>
+        </p:spPr>
+        <p:style>
+          <a:lnRef idx="2">
+            <a:schemeClr val="dk1"/>
+          </a:lnRef>
+          <a:fillRef idx="1">
+            <a:schemeClr val="lt1"/>
+          </a:fillRef>
+          <a:effectRef idx="0">
+            <a:schemeClr val="dk1"/>
+          </a:effectRef>
+          <a:fontRef idx="minor">
+            <a:schemeClr val="dk1"/>
+          </a:fontRef>
+        </p:style>
+        <p:txBody>
+          <a:bodyPr lIns="0" rIns="0" rtlCol="0" anchor="ctr"/>
+          <a:lstStyle/>
+          <a:p>
+            <a:pPr algn="ctr"/>
+            <a:r>
+              <a:rPr lang="en-US" sz="1500" dirty="0">
+                <a:solidFill>
+                  <a:sysClr val="windowText" lastClr="000000"/>
+                </a:solidFill>
+                <a:latin typeface="Arial"/>
+                <a:cs typeface="Arial"/>
+              </a:rPr>
+              <a:t>Particles</a:t>
+            </a:r>
+            <a:endParaRPr lang="en-US" sz="1500" dirty="0">
+              <a:solidFill>
+                <a:sysClr val="windowText" lastClr="000000"/>
+              </a:solidFill>
+              <a:latin typeface="Arial"/>
+              <a:cs typeface="Arial"/>
+            </a:endParaRPr>
+          </a:p>
+        </p:txBody>
+      </p:sp>
+      <p:sp>
+        <p:nvSpPr>
+          <p:cNvPr id="134" name="Rectangle 133"/>
+          <p:cNvSpPr/>
+          <p:nvPr/>
+        </p:nvSpPr>
+        <p:spPr>
+          <a:xfrm>
+            <a:off x="3344831" y="2386505"/>
+            <a:ext cx="374073" cy="355102"/>
+          </a:xfrm>
+          <a:prstGeom prst="rect">
+            <a:avLst/>
+          </a:prstGeom>
+        </p:spPr>
+        <p:style>
+          <a:lnRef idx="2">
+            <a:schemeClr val="dk1"/>
+          </a:lnRef>
+          <a:fillRef idx="1">
+            <a:schemeClr val="lt1"/>
+          </a:fillRef>
+          <a:effectRef idx="0">
+            <a:schemeClr val="dk1"/>
+          </a:effectRef>
+          <a:fontRef idx="minor">
+            <a:schemeClr val="dk1"/>
+          </a:fontRef>
+        </p:style>
+        <p:txBody>
+          <a:bodyPr lIns="0" rIns="0" rtlCol="0" anchor="ctr"/>
+          <a:lstStyle/>
+          <a:p>
+            <a:pPr algn="ctr"/>
+            <a:r>
+              <a:rPr lang="en-US" sz="1500" dirty="0">
+                <a:solidFill>
+                  <a:sysClr val="windowText" lastClr="000000"/>
+                </a:solidFill>
+                <a:latin typeface="Arial"/>
+                <a:cs typeface="Arial"/>
+              </a:rPr>
+              <a:t>P1</a:t>
+            </a:r>
+          </a:p>
+        </p:txBody>
+      </p:sp>
+      <p:sp>
+        <p:nvSpPr>
+          <p:cNvPr id="135" name="Rectangle 134"/>
+          <p:cNvSpPr/>
+          <p:nvPr/>
+        </p:nvSpPr>
+        <p:spPr>
+          <a:xfrm>
+            <a:off x="3716983" y="2386505"/>
+            <a:ext cx="744326" cy="355102"/>
+          </a:xfrm>
+          <a:prstGeom prst="rect">
+            <a:avLst/>
+          </a:prstGeom>
+        </p:spPr>
+        <p:style>
+          <a:lnRef idx="2">
+            <a:schemeClr val="dk1"/>
+          </a:lnRef>
+          <a:fillRef idx="1">
+            <a:schemeClr val="lt1"/>
+          </a:fillRef>
+          <a:effectRef idx="0">
+            <a:schemeClr val="dk1"/>
+          </a:effectRef>
+          <a:fontRef idx="minor">
+            <a:schemeClr val="dk1"/>
+          </a:fontRef>
+        </p:style>
+        <p:txBody>
+          <a:bodyPr lIns="0" rIns="0" rtlCol="0" anchor="ctr"/>
+          <a:lstStyle/>
+          <a:p>
+            <a:pPr algn="ctr"/>
+            <a:r>
+              <a:rPr lang="en-US" sz="1500" dirty="0">
+                <a:solidFill>
+                  <a:sysClr val="windowText" lastClr="000000"/>
+                </a:solidFill>
+                <a:latin typeface="Arial"/>
+                <a:cs typeface="Arial"/>
+              </a:rPr>
+              <a:t>P2</a:t>
+            </a:r>
+          </a:p>
+        </p:txBody>
+      </p:sp>
+      <p:sp>
+        <p:nvSpPr>
+          <p:cNvPr id="136" name="Rectangle 135"/>
+          <p:cNvSpPr/>
+          <p:nvPr/>
+        </p:nvSpPr>
+        <p:spPr>
+          <a:xfrm>
+            <a:off x="4461310" y="2386505"/>
+            <a:ext cx="1132350" cy="355102"/>
+          </a:xfrm>
+          <a:prstGeom prst="rect">
+            <a:avLst/>
+          </a:prstGeom>
+        </p:spPr>
+        <p:style>
+          <a:lnRef idx="2">
+            <a:schemeClr val="dk1"/>
+          </a:lnRef>
+          <a:fillRef idx="1">
+            <a:schemeClr val="lt1"/>
+          </a:fillRef>
+          <a:effectRef idx="0">
+            <a:schemeClr val="dk1"/>
+          </a:effectRef>
+          <a:fontRef idx="minor">
+            <a:schemeClr val="dk1"/>
+          </a:fontRef>
+        </p:style>
+        <p:txBody>
+          <a:bodyPr lIns="0" rIns="0" rtlCol="0" anchor="ctr"/>
+          <a:lstStyle/>
+          <a:p>
+            <a:pPr algn="ctr"/>
+            <a:r>
+              <a:rPr lang="en-US" sz="1500" dirty="0">
+                <a:solidFill>
+                  <a:sysClr val="windowText" lastClr="000000"/>
+                </a:solidFill>
+                <a:latin typeface="Arial"/>
+                <a:cs typeface="Arial"/>
+              </a:rPr>
+              <a:t>P3</a:t>
+            </a:r>
+          </a:p>
+        </p:txBody>
+      </p:sp>
+      <p:sp>
+        <p:nvSpPr>
+          <p:cNvPr id="137" name="Rectangle 136"/>
+          <p:cNvSpPr/>
+          <p:nvPr/>
+        </p:nvSpPr>
+        <p:spPr>
+          <a:xfrm>
+            <a:off x="5589720" y="2386505"/>
+            <a:ext cx="2484640" cy="355102"/>
+          </a:xfrm>
+          <a:prstGeom prst="rect">
+            <a:avLst/>
+          </a:prstGeom>
+        </p:spPr>
+        <p:style>
+          <a:lnRef idx="2">
+            <a:schemeClr val="dk1"/>
+          </a:lnRef>
+          <a:fillRef idx="1">
+            <a:schemeClr val="lt1"/>
+          </a:fillRef>
+          <a:effectRef idx="0">
+            <a:schemeClr val="dk1"/>
+          </a:effectRef>
+          <a:fontRef idx="minor">
+            <a:schemeClr val="dk1"/>
+          </a:fontRef>
+        </p:style>
+        <p:txBody>
+          <a:bodyPr lIns="0" rIns="0" rtlCol="0" anchor="ctr"/>
+          <a:lstStyle/>
+          <a:p>
+            <a:pPr algn="ctr"/>
+            <a:r>
+              <a:rPr lang="en-US" sz="1500" dirty="0">
+                <a:solidFill>
+                  <a:sysClr val="windowText" lastClr="000000"/>
+                </a:solidFill>
+                <a:latin typeface="Arial"/>
+                <a:cs typeface="Arial"/>
+              </a:rPr>
+              <a:t>P4</a:t>
+            </a:r>
+          </a:p>
+        </p:txBody>
+      </p:sp>
+      <p:sp>
+        <p:nvSpPr>
+          <p:cNvPr id="122" name="Rectangle 121"/>
+          <p:cNvSpPr/>
+          <p:nvPr/>
+        </p:nvSpPr>
+        <p:spPr>
+          <a:xfrm>
+            <a:off x="3339470" y="1446147"/>
+            <a:ext cx="1303050" cy="354190"/>
+          </a:xfrm>
+          <a:prstGeom prst="rect">
+            <a:avLst/>
+          </a:prstGeom>
+        </p:spPr>
+        <p:style>
+          <a:lnRef idx="2">
+            <a:schemeClr val="accent1"/>
+          </a:lnRef>
+          <a:fillRef idx="1">
+            <a:schemeClr val="lt1"/>
+          </a:fillRef>
+          <a:effectRef idx="0">
+            <a:schemeClr val="accent1"/>
+          </a:effectRef>
+          <a:fontRef idx="minor">
+            <a:schemeClr val="dk1"/>
+          </a:fontRef>
+        </p:style>
+        <p:txBody>
+          <a:bodyPr lIns="0" rIns="0" rtlCol="0" anchor="ctr"/>
+          <a:lstStyle/>
+          <a:p>
+            <a:pPr algn="ctr"/>
+            <a:r>
+              <a:rPr lang="en-US" sz="1500" dirty="0">
+                <a:solidFill>
+                  <a:sysClr val="windowText" lastClr="000000"/>
+                </a:solidFill>
+                <a:latin typeface="Arial"/>
+                <a:cs typeface="Arial"/>
+              </a:rPr>
+              <a:t>Field 1</a:t>
+            </a:r>
+          </a:p>
+        </p:txBody>
+      </p:sp>
+      <p:sp>
+        <p:nvSpPr>
+          <p:cNvPr id="123" name="Rectangle 122"/>
+          <p:cNvSpPr/>
+          <p:nvPr/>
+        </p:nvSpPr>
+        <p:spPr>
+          <a:xfrm>
+            <a:off x="6218013" y="1446147"/>
+            <a:ext cx="1856347" cy="354190"/>
+          </a:xfrm>
+          <a:prstGeom prst="rect">
+            <a:avLst/>
+          </a:prstGeom>
+        </p:spPr>
+        <p:style>
+          <a:lnRef idx="2">
+            <a:schemeClr val="accent4"/>
+          </a:lnRef>
+          <a:fillRef idx="1">
+            <a:schemeClr val="lt1"/>
+          </a:fillRef>
+          <a:effectRef idx="0">
+            <a:schemeClr val="accent4"/>
+          </a:effectRef>
+          <a:fontRef idx="minor">
+            <a:schemeClr val="dk1"/>
+          </a:fontRef>
+        </p:style>
+        <p:txBody>
+          <a:bodyPr lIns="0" rIns="0" rtlCol="0" anchor="ctr"/>
+          <a:lstStyle/>
+          <a:p>
+            <a:pPr algn="ctr"/>
+            <a:r>
+              <a:rPr lang="en-US" sz="1500" dirty="0">
+                <a:solidFill>
+                  <a:sysClr val="windowText" lastClr="000000"/>
+                </a:solidFill>
+                <a:latin typeface="Arial"/>
+                <a:cs typeface="Arial"/>
+              </a:rPr>
+              <a:t>Mesh</a:t>
+            </a:r>
+          </a:p>
+        </p:txBody>
+      </p:sp>
+      <p:sp>
+        <p:nvSpPr>
+          <p:cNvPr id="124" name="Rectangle 123"/>
+          <p:cNvSpPr/>
+          <p:nvPr/>
+        </p:nvSpPr>
+        <p:spPr>
+          <a:xfrm>
+            <a:off x="4763739" y="1446147"/>
+            <a:ext cx="1336169" cy="354190"/>
+          </a:xfrm>
+          <a:prstGeom prst="rect">
+            <a:avLst/>
+          </a:prstGeom>
+        </p:spPr>
+        <p:style>
+          <a:lnRef idx="2">
+            <a:schemeClr val="accent1"/>
+          </a:lnRef>
+          <a:fillRef idx="1">
+            <a:schemeClr val="lt1"/>
+          </a:fillRef>
+          <a:effectRef idx="0">
+            <a:schemeClr val="accent1"/>
+          </a:effectRef>
+          <a:fontRef idx="minor">
+            <a:schemeClr val="dk1"/>
+          </a:fontRef>
+        </p:style>
+        <p:txBody>
+          <a:bodyPr lIns="0" rIns="0" rtlCol="0" anchor="ctr"/>
+          <a:lstStyle/>
+          <a:p>
+            <a:pPr algn="ctr"/>
+            <a:r>
+              <a:rPr lang="en-US" sz="1500" dirty="0">
+                <a:solidFill>
+                  <a:sysClr val="windowText" lastClr="000000"/>
+                </a:solidFill>
+                <a:latin typeface="Arial"/>
+                <a:cs typeface="Arial"/>
+              </a:rPr>
+              <a:t>Field 2</a:t>
+            </a:r>
+          </a:p>
+        </p:txBody>
+      </p:sp>
+      <p:sp>
+        <p:nvSpPr>
+          <p:cNvPr id="125" name="Rectangle 124"/>
+          <p:cNvSpPr/>
+          <p:nvPr/>
+        </p:nvSpPr>
+        <p:spPr>
+          <a:xfrm>
+            <a:off x="3344831" y="2772064"/>
+            <a:ext cx="399011" cy="355102"/>
+          </a:xfrm>
+          <a:prstGeom prst="rect">
+            <a:avLst/>
+          </a:prstGeom>
+        </p:spPr>
+        <p:style>
+          <a:lnRef idx="2">
+            <a:schemeClr val="accent1"/>
+          </a:lnRef>
+          <a:fillRef idx="1">
+            <a:schemeClr val="lt1"/>
+          </a:fillRef>
+          <a:effectRef idx="0">
+            <a:schemeClr val="accent1"/>
+          </a:effectRef>
+          <a:fontRef idx="minor">
+            <a:schemeClr val="dk1"/>
+          </a:fontRef>
+        </p:style>
+        <p:txBody>
+          <a:bodyPr lIns="0" rIns="0" rtlCol="0" anchor="ctr"/>
+          <a:lstStyle/>
+          <a:p>
+            <a:pPr algn="ctr"/>
+            <a:r>
+              <a:rPr lang="en-US" sz="1500" dirty="0">
+                <a:solidFill>
+                  <a:sysClr val="windowText" lastClr="000000"/>
+                </a:solidFill>
+                <a:latin typeface="Arial"/>
+                <a:cs typeface="Arial"/>
+              </a:rPr>
+              <a:t>F1</a:t>
+            </a:r>
+          </a:p>
+        </p:txBody>
+      </p:sp>
+      <p:sp>
+        <p:nvSpPr>
+          <p:cNvPr id="126" name="Rectangle 125"/>
+          <p:cNvSpPr/>
+          <p:nvPr/>
+        </p:nvSpPr>
+        <p:spPr>
+          <a:xfrm>
+            <a:off x="4773540" y="2772064"/>
+            <a:ext cx="399011" cy="355102"/>
+          </a:xfrm>
+          <a:prstGeom prst="rect">
+            <a:avLst/>
+          </a:prstGeom>
+        </p:spPr>
+        <p:style>
+          <a:lnRef idx="2">
+            <a:schemeClr val="accent1"/>
+          </a:lnRef>
+          <a:fillRef idx="1">
+            <a:schemeClr val="lt1"/>
+          </a:fillRef>
+          <a:effectRef idx="0">
+            <a:schemeClr val="accent1"/>
+          </a:effectRef>
+          <a:fontRef idx="minor">
+            <a:schemeClr val="dk1"/>
+          </a:fontRef>
+        </p:style>
+        <p:txBody>
+          <a:bodyPr lIns="0" rIns="0" rtlCol="0" anchor="ctr"/>
+          <a:lstStyle/>
+          <a:p>
+            <a:pPr algn="ctr"/>
+            <a:r>
+              <a:rPr lang="en-US" sz="1500" dirty="0">
+                <a:solidFill>
+                  <a:sysClr val="windowText" lastClr="000000"/>
+                </a:solidFill>
+                <a:latin typeface="Arial"/>
+                <a:cs typeface="Arial"/>
+              </a:rPr>
+              <a:t>G1</a:t>
+            </a:r>
+          </a:p>
+        </p:txBody>
+      </p:sp>
+      <p:sp>
+        <p:nvSpPr>
+          <p:cNvPr id="127" name="Rectangle 126"/>
+          <p:cNvSpPr/>
+          <p:nvPr/>
+        </p:nvSpPr>
+        <p:spPr>
+          <a:xfrm>
+            <a:off x="5172753" y="2772064"/>
+            <a:ext cx="893850" cy="355102"/>
+          </a:xfrm>
+          <a:prstGeom prst="rect">
+            <a:avLst/>
+          </a:prstGeom>
+        </p:spPr>
+        <p:style>
+          <a:lnRef idx="2">
+            <a:schemeClr val="accent1"/>
+          </a:lnRef>
+          <a:fillRef idx="1">
+            <a:schemeClr val="lt1"/>
+          </a:fillRef>
+          <a:effectRef idx="0">
+            <a:schemeClr val="accent1"/>
+          </a:effectRef>
+          <a:fontRef idx="minor">
+            <a:schemeClr val="dk1"/>
+          </a:fontRef>
+        </p:style>
+        <p:txBody>
+          <a:bodyPr lIns="0" rIns="0" rtlCol="0" anchor="ctr"/>
+          <a:lstStyle/>
+          <a:p>
+            <a:pPr algn="ctr"/>
+            <a:r>
+              <a:rPr lang="en-US" sz="1500" dirty="0">
+                <a:solidFill>
+                  <a:sysClr val="windowText" lastClr="000000"/>
+                </a:solidFill>
+                <a:latin typeface="Arial"/>
+                <a:cs typeface="Arial"/>
+              </a:rPr>
+              <a:t>G2</a:t>
+            </a:r>
+          </a:p>
+        </p:txBody>
+      </p:sp>
+      <p:sp>
+        <p:nvSpPr>
+          <p:cNvPr id="128" name="Rectangle 127"/>
+          <p:cNvSpPr/>
+          <p:nvPr/>
+        </p:nvSpPr>
+        <p:spPr>
+          <a:xfrm>
+            <a:off x="6218013" y="2772064"/>
+            <a:ext cx="542667" cy="355102"/>
+          </a:xfrm>
+          <a:prstGeom prst="rect">
+            <a:avLst/>
+          </a:prstGeom>
+        </p:spPr>
+        <p:style>
+          <a:lnRef idx="2">
+            <a:schemeClr val="accent4"/>
+          </a:lnRef>
+          <a:fillRef idx="1">
+            <a:schemeClr val="lt1"/>
+          </a:fillRef>
+          <a:effectRef idx="0">
+            <a:schemeClr val="accent4"/>
+          </a:effectRef>
+          <a:fontRef idx="minor">
+            <a:schemeClr val="dk1"/>
+          </a:fontRef>
+        </p:style>
+        <p:txBody>
+          <a:bodyPr lIns="0" rIns="0" rtlCol="0" anchor="ctr"/>
+          <a:lstStyle/>
+          <a:p>
+            <a:pPr algn="ctr"/>
+            <a:r>
+              <a:rPr lang="en-US" sz="1500" dirty="0">
+                <a:solidFill>
+                  <a:sysClr val="windowText" lastClr="000000"/>
+                </a:solidFill>
+                <a:latin typeface="Arial"/>
+                <a:cs typeface="Arial"/>
+              </a:rPr>
+              <a:t>M1</a:t>
+            </a:r>
+          </a:p>
+        </p:txBody>
+      </p:sp>
+      <p:sp>
+        <p:nvSpPr>
+          <p:cNvPr id="129" name="Rectangle 128"/>
+          <p:cNvSpPr/>
+          <p:nvPr/>
+        </p:nvSpPr>
+        <p:spPr>
+          <a:xfrm>
+            <a:off x="6760680" y="2772064"/>
+            <a:ext cx="1313680" cy="355102"/>
+          </a:xfrm>
+          <a:prstGeom prst="rect">
+            <a:avLst/>
+          </a:prstGeom>
+        </p:spPr>
+        <p:style>
+          <a:lnRef idx="2">
+            <a:schemeClr val="accent4"/>
+          </a:lnRef>
+          <a:fillRef idx="1">
+            <a:schemeClr val="lt1"/>
+          </a:fillRef>
+          <a:effectRef idx="0">
+            <a:schemeClr val="accent4"/>
+          </a:effectRef>
+          <a:fontRef idx="minor">
+            <a:schemeClr val="dk1"/>
+          </a:fontRef>
+        </p:style>
+        <p:txBody>
+          <a:bodyPr lIns="0" rIns="0" rtlCol="0" anchor="ctr"/>
+          <a:lstStyle/>
+          <a:p>
+            <a:pPr algn="ctr"/>
+            <a:r>
+              <a:rPr lang="en-US" sz="1500" dirty="0">
+                <a:solidFill>
+                  <a:sysClr val="windowText" lastClr="000000"/>
+                </a:solidFill>
+                <a:latin typeface="Arial"/>
+                <a:cs typeface="Arial"/>
+              </a:rPr>
+              <a:t>M2</a:t>
+            </a:r>
+          </a:p>
+        </p:txBody>
+      </p:sp>
+      <p:sp>
+        <p:nvSpPr>
+          <p:cNvPr id="130" name="Rectangle 129"/>
+          <p:cNvSpPr/>
+          <p:nvPr/>
+        </p:nvSpPr>
+        <p:spPr>
+          <a:xfrm>
+            <a:off x="3736565" y="2772064"/>
+            <a:ext cx="893850" cy="355102"/>
+          </a:xfrm>
+          <a:prstGeom prst="rect">
+            <a:avLst/>
+          </a:prstGeom>
+        </p:spPr>
+        <p:style>
+          <a:lnRef idx="2">
+            <a:schemeClr val="accent1"/>
+          </a:lnRef>
+          <a:fillRef idx="1">
+            <a:schemeClr val="lt1"/>
+          </a:fillRef>
+          <a:effectRef idx="0">
+            <a:schemeClr val="accent1"/>
+          </a:effectRef>
+          <a:fontRef idx="minor">
+            <a:schemeClr val="dk1"/>
+          </a:fontRef>
+        </p:style>
+        <p:txBody>
+          <a:bodyPr lIns="0" rIns="0" rtlCol="0" anchor="ctr"/>
+          <a:lstStyle/>
+          <a:p>
+            <a:pPr algn="ctr"/>
+            <a:r>
+              <a:rPr lang="en-US" sz="1500" dirty="0">
+                <a:solidFill>
+                  <a:sysClr val="windowText" lastClr="000000"/>
+                </a:solidFill>
+                <a:latin typeface="Arial"/>
+                <a:cs typeface="Arial"/>
+              </a:rPr>
+              <a:t>F2</a:t>
+            </a:r>
+          </a:p>
+        </p:txBody>
+      </p:sp>
+      <p:grpSp>
+        <p:nvGrpSpPr>
+          <p:cNvPr id="139" name="Group 138"/>
+          <p:cNvGrpSpPr/>
+          <p:nvPr/>
+        </p:nvGrpSpPr>
+        <p:grpSpPr>
+          <a:xfrm>
+            <a:off x="3336948" y="3237565"/>
+            <a:ext cx="4243341" cy="1464010"/>
+            <a:chOff x="1159393" y="3395610"/>
+            <a:chExt cx="3111784" cy="1357157"/>
+          </a:xfrm>
+        </p:grpSpPr>
+        <p:sp>
+          <p:nvSpPr>
+            <p:cNvPr id="141" name="Rectangle 140"/>
+            <p:cNvSpPr/>
+            <p:nvPr/>
+          </p:nvSpPr>
+          <p:spPr>
+            <a:xfrm>
+              <a:off x="1159394" y="3744557"/>
+              <a:ext cx="274320" cy="329184"/>
+            </a:xfrm>
+            <a:prstGeom prst="rect">
+              <a:avLst/>
+            </a:prstGeom>
+          </p:spPr>
+          <p:style>
+            <a:lnRef idx="2">
+              <a:schemeClr val="dk1"/>
+            </a:lnRef>
+            <a:fillRef idx="1">
+              <a:schemeClr val="lt1"/>
+            </a:fillRef>
+            <a:effectRef idx="0">
+              <a:schemeClr val="dk1"/>
+            </a:effectRef>
+            <a:fontRef idx="minor">
+              <a:schemeClr val="dk1"/>
+            </a:fontRef>
+          </p:style>
+          <p:txBody>
+            <a:bodyPr lIns="0" rIns="0" rtlCol="0" anchor="ctr"/>
+            <a:lstStyle/>
+            <a:p>
+              <a:pPr algn="ctr"/>
+              <a:r>
+                <a:rPr lang="en-US" sz="1500" dirty="0">
+                  <a:solidFill>
+                    <a:sysClr val="windowText" lastClr="000000"/>
+                  </a:solidFill>
+                  <a:latin typeface="Arial"/>
+                  <a:cs typeface="Arial"/>
+                </a:rPr>
+                <a:t>P1</a:t>
+              </a:r>
+            </a:p>
+          </p:txBody>
+        </p:sp>
+        <p:sp>
+          <p:nvSpPr>
+            <p:cNvPr id="142" name="Rectangle 141"/>
+            <p:cNvSpPr/>
+            <p:nvPr/>
+          </p:nvSpPr>
+          <p:spPr>
+            <a:xfrm>
+              <a:off x="1432305" y="3743713"/>
+              <a:ext cx="551619" cy="329184"/>
+            </a:xfrm>
+            <a:prstGeom prst="rect">
+              <a:avLst/>
+            </a:prstGeom>
+          </p:spPr>
+          <p:style>
+            <a:lnRef idx="2">
+              <a:schemeClr val="dk1"/>
+            </a:lnRef>
+            <a:fillRef idx="1">
+              <a:schemeClr val="lt1"/>
+            </a:fillRef>
+            <a:effectRef idx="0">
+              <a:schemeClr val="dk1"/>
+            </a:effectRef>
+            <a:fontRef idx="minor">
+              <a:schemeClr val="dk1"/>
+            </a:fontRef>
+          </p:style>
+          <p:txBody>
+            <a:bodyPr lIns="0" rIns="0" rtlCol="0" anchor="ctr"/>
+            <a:lstStyle/>
+            <a:p>
+              <a:pPr algn="ctr"/>
+              <a:r>
+                <a:rPr lang="en-US" sz="1500" dirty="0">
+                  <a:solidFill>
+                    <a:sysClr val="windowText" lastClr="000000"/>
+                  </a:solidFill>
+                  <a:latin typeface="Arial"/>
+                  <a:cs typeface="Arial"/>
+                </a:rPr>
+                <a:t>P2</a:t>
+              </a:r>
+            </a:p>
+          </p:txBody>
+        </p:sp>
+        <p:sp>
+          <p:nvSpPr>
+            <p:cNvPr id="143" name="Rectangle 142"/>
+            <p:cNvSpPr/>
+            <p:nvPr/>
+          </p:nvSpPr>
+          <p:spPr>
+            <a:xfrm>
+              <a:off x="2005107" y="3744557"/>
+              <a:ext cx="292608" cy="329184"/>
+            </a:xfrm>
+            <a:prstGeom prst="rect">
+              <a:avLst/>
+            </a:prstGeom>
+          </p:spPr>
+          <p:style>
+            <a:lnRef idx="2">
+              <a:schemeClr val="accent1"/>
+            </a:lnRef>
+            <a:fillRef idx="1">
+              <a:schemeClr val="lt1"/>
+            </a:fillRef>
+            <a:effectRef idx="0">
+              <a:schemeClr val="accent1"/>
+            </a:effectRef>
+            <a:fontRef idx="minor">
+              <a:schemeClr val="dk1"/>
+            </a:fontRef>
+          </p:style>
+          <p:txBody>
+            <a:bodyPr lIns="0" rIns="0" rtlCol="0" anchor="ctr"/>
+            <a:lstStyle/>
+            <a:p>
+              <a:pPr algn="ctr"/>
+              <a:r>
+                <a:rPr lang="en-US" sz="1500" dirty="0">
+                  <a:solidFill>
+                    <a:sysClr val="windowText" lastClr="000000"/>
+                  </a:solidFill>
+                  <a:latin typeface="Arial"/>
+                  <a:cs typeface="Arial"/>
+                </a:rPr>
+                <a:t>F1</a:t>
+              </a:r>
+            </a:p>
+          </p:txBody>
+        </p:sp>
+        <p:sp>
+          <p:nvSpPr>
+            <p:cNvPr id="144" name="Rectangle 143"/>
+            <p:cNvSpPr/>
+            <p:nvPr/>
+          </p:nvSpPr>
+          <p:spPr>
+            <a:xfrm>
+              <a:off x="2307270" y="3744557"/>
+              <a:ext cx="292608" cy="329184"/>
+            </a:xfrm>
+            <a:prstGeom prst="rect">
+              <a:avLst/>
+            </a:prstGeom>
+          </p:spPr>
+          <p:style>
+            <a:lnRef idx="2">
+              <a:schemeClr val="accent1"/>
+            </a:lnRef>
+            <a:fillRef idx="1">
+              <a:schemeClr val="lt1"/>
+            </a:fillRef>
+            <a:effectRef idx="0">
+              <a:schemeClr val="accent1"/>
+            </a:effectRef>
+            <a:fontRef idx="minor">
+              <a:schemeClr val="dk1"/>
+            </a:fontRef>
+          </p:style>
+          <p:txBody>
+            <a:bodyPr lIns="0" rIns="0" rtlCol="0" anchor="ctr"/>
+            <a:lstStyle/>
+            <a:p>
+              <a:pPr algn="ctr"/>
+              <a:r>
+                <a:rPr lang="en-US" sz="1500" dirty="0">
+                  <a:solidFill>
+                    <a:sysClr val="windowText" lastClr="000000"/>
+                  </a:solidFill>
+                  <a:latin typeface="Arial"/>
+                  <a:cs typeface="Arial"/>
+                </a:rPr>
+                <a:t>G1</a:t>
+              </a:r>
+            </a:p>
+          </p:txBody>
+        </p:sp>
+        <p:sp>
+          <p:nvSpPr>
+            <p:cNvPr id="145" name="Rectangle 144"/>
+            <p:cNvSpPr/>
+            <p:nvPr/>
+          </p:nvSpPr>
+          <p:spPr>
+            <a:xfrm>
+              <a:off x="2599878" y="3746037"/>
+              <a:ext cx="426105" cy="329184"/>
+            </a:xfrm>
+            <a:prstGeom prst="rect">
+              <a:avLst/>
+            </a:prstGeom>
+          </p:spPr>
+          <p:style>
+            <a:lnRef idx="2">
+              <a:schemeClr val="accent4"/>
+            </a:lnRef>
+            <a:fillRef idx="1">
+              <a:schemeClr val="lt1"/>
+            </a:fillRef>
+            <a:effectRef idx="0">
+              <a:schemeClr val="accent4"/>
+            </a:effectRef>
+            <a:fontRef idx="minor">
+              <a:schemeClr val="dk1"/>
+            </a:fontRef>
+          </p:style>
+          <p:txBody>
+            <a:bodyPr lIns="0" rIns="0" rtlCol="0" anchor="ctr"/>
+            <a:lstStyle/>
+            <a:p>
+              <a:pPr algn="ctr"/>
+              <a:r>
+                <a:rPr lang="en-US" sz="1500" dirty="0">
+                  <a:solidFill>
+                    <a:sysClr val="windowText" lastClr="000000"/>
+                  </a:solidFill>
+                  <a:latin typeface="Arial"/>
+                  <a:cs typeface="Arial"/>
+                </a:rPr>
+                <a:t>M1</a:t>
+              </a:r>
+            </a:p>
+          </p:txBody>
+        </p:sp>
+        <p:sp>
+          <p:nvSpPr>
+            <p:cNvPr id="147" name="Rectangle 146"/>
+            <p:cNvSpPr/>
+            <p:nvPr/>
+          </p:nvSpPr>
+          <p:spPr>
+            <a:xfrm>
+              <a:off x="1829479" y="4094399"/>
+              <a:ext cx="655490" cy="329184"/>
+            </a:xfrm>
+            <a:prstGeom prst="rect">
+              <a:avLst/>
+            </a:prstGeom>
+          </p:spPr>
+          <p:style>
+            <a:lnRef idx="2">
+              <a:schemeClr val="accent1"/>
+            </a:lnRef>
+            <a:fillRef idx="1">
+              <a:schemeClr val="lt1"/>
+            </a:fillRef>
+            <a:effectRef idx="0">
+              <a:schemeClr val="accent1"/>
+            </a:effectRef>
+            <a:fontRef idx="minor">
+              <a:schemeClr val="dk1"/>
+            </a:fontRef>
+          </p:style>
+          <p:txBody>
+            <a:bodyPr lIns="0" rIns="0" rtlCol="0" anchor="ctr"/>
+            <a:lstStyle/>
+            <a:p>
+              <a:pPr algn="ctr"/>
+              <a:r>
+                <a:rPr lang="en-US" sz="1500" dirty="0">
+                  <a:solidFill>
+                    <a:sysClr val="windowText" lastClr="000000"/>
+                  </a:solidFill>
+                  <a:latin typeface="Arial"/>
+                  <a:cs typeface="Arial"/>
+                </a:rPr>
+                <a:t>G2</a:t>
+              </a:r>
+            </a:p>
+          </p:txBody>
+        </p:sp>
+        <p:sp>
+          <p:nvSpPr>
+            <p:cNvPr id="148" name="Rectangle 147"/>
+            <p:cNvSpPr/>
+            <p:nvPr/>
+          </p:nvSpPr>
+          <p:spPr>
+            <a:xfrm>
+              <a:off x="2496296" y="4088569"/>
+              <a:ext cx="961164" cy="329184"/>
+            </a:xfrm>
+            <a:prstGeom prst="rect">
+              <a:avLst/>
+            </a:prstGeom>
+          </p:spPr>
+          <p:style>
+            <a:lnRef idx="2">
+              <a:schemeClr val="accent4"/>
+            </a:lnRef>
+            <a:fillRef idx="1">
+              <a:schemeClr val="lt1"/>
+            </a:fillRef>
+            <a:effectRef idx="0">
+              <a:schemeClr val="accent4"/>
+            </a:effectRef>
+            <a:fontRef idx="minor">
+              <a:schemeClr val="dk1"/>
+            </a:fontRef>
+          </p:style>
+          <p:txBody>
+            <a:bodyPr lIns="0" rIns="0" rtlCol="0" anchor="ctr"/>
+            <a:lstStyle/>
+            <a:p>
+              <a:pPr algn="ctr"/>
+              <a:r>
+                <a:rPr lang="en-US" sz="1500" dirty="0">
+                  <a:solidFill>
+                    <a:sysClr val="windowText" lastClr="000000"/>
+                  </a:solidFill>
+                  <a:latin typeface="Arial"/>
+                  <a:cs typeface="Arial"/>
+                </a:rPr>
+                <a:t>M2</a:t>
+              </a:r>
+            </a:p>
+          </p:txBody>
+        </p:sp>
+        <p:sp>
+          <p:nvSpPr>
+            <p:cNvPr id="149" name="Rectangle 148"/>
+            <p:cNvSpPr/>
+            <p:nvPr/>
+          </p:nvSpPr>
+          <p:spPr>
+            <a:xfrm>
+              <a:off x="1162661" y="4094399"/>
+              <a:ext cx="655490" cy="329184"/>
+            </a:xfrm>
+            <a:prstGeom prst="rect">
+              <a:avLst/>
+            </a:prstGeom>
+          </p:spPr>
+          <p:style>
+            <a:lnRef idx="2">
+              <a:schemeClr val="accent1"/>
+            </a:lnRef>
+            <a:fillRef idx="1">
+              <a:schemeClr val="lt1"/>
+            </a:fillRef>
+            <a:effectRef idx="0">
+              <a:schemeClr val="accent1"/>
+            </a:effectRef>
+            <a:fontRef idx="minor">
+              <a:schemeClr val="dk1"/>
+            </a:fontRef>
+          </p:style>
+          <p:txBody>
+            <a:bodyPr lIns="0" rIns="0" rtlCol="0" anchor="ctr"/>
+            <a:lstStyle/>
+            <a:p>
+              <a:pPr algn="ctr"/>
+              <a:r>
+                <a:rPr lang="en-US" sz="1500" dirty="0">
+                  <a:solidFill>
+                    <a:sysClr val="windowText" lastClr="000000"/>
+                  </a:solidFill>
+                  <a:latin typeface="Arial"/>
+                  <a:cs typeface="Arial"/>
+                </a:rPr>
+                <a:t>F2</a:t>
+              </a:r>
+            </a:p>
+          </p:txBody>
+        </p:sp>
+        <p:sp>
+          <p:nvSpPr>
+            <p:cNvPr id="150" name="Rectangle 149"/>
+            <p:cNvSpPr/>
+            <p:nvPr/>
+          </p:nvSpPr>
+          <p:spPr>
+            <a:xfrm>
+              <a:off x="1165702" y="4423583"/>
+              <a:ext cx="951110" cy="329184"/>
+            </a:xfrm>
+            <a:prstGeom prst="rect">
+              <a:avLst/>
+            </a:prstGeom>
+          </p:spPr>
+          <p:style>
+            <a:lnRef idx="2">
+              <a:schemeClr val="dk1"/>
+            </a:lnRef>
+            <a:fillRef idx="1">
+              <a:schemeClr val="lt1"/>
+            </a:fillRef>
+            <a:effectRef idx="0">
+              <a:schemeClr val="dk1"/>
+            </a:effectRef>
+            <a:fontRef idx="minor">
+              <a:schemeClr val="dk1"/>
+            </a:fontRef>
+          </p:style>
+          <p:txBody>
+            <a:bodyPr lIns="0" rIns="0" rtlCol="0" anchor="ctr"/>
+            <a:lstStyle/>
+            <a:p>
+              <a:pPr algn="ctr"/>
+              <a:r>
+                <a:rPr lang="en-US" sz="1500" dirty="0">
+                  <a:solidFill>
+                    <a:sysClr val="windowText" lastClr="000000"/>
+                  </a:solidFill>
+                  <a:latin typeface="Arial"/>
+                  <a:cs typeface="Arial"/>
+                </a:rPr>
+                <a:t>P3</a:t>
+              </a:r>
+            </a:p>
+          </p:txBody>
+        </p:sp>
+        <p:sp>
+          <p:nvSpPr>
+            <p:cNvPr id="151" name="Rectangle 150"/>
+            <p:cNvSpPr/>
+            <p:nvPr/>
+          </p:nvSpPr>
+          <p:spPr>
+            <a:xfrm>
+              <a:off x="2125985" y="4423583"/>
+              <a:ext cx="1746504" cy="329184"/>
+            </a:xfrm>
+            <a:prstGeom prst="rect">
+              <a:avLst/>
+            </a:prstGeom>
+          </p:spPr>
+          <p:style>
+            <a:lnRef idx="2">
+              <a:schemeClr val="dk1"/>
+            </a:lnRef>
+            <a:fillRef idx="1">
+              <a:schemeClr val="lt1"/>
+            </a:fillRef>
+            <a:effectRef idx="0">
+              <a:schemeClr val="dk1"/>
+            </a:effectRef>
+            <a:fontRef idx="minor">
+              <a:schemeClr val="dk1"/>
+            </a:fontRef>
+          </p:style>
+          <p:txBody>
+            <a:bodyPr lIns="0" rIns="0" rtlCol="0" anchor="ctr"/>
+            <a:lstStyle/>
+            <a:p>
+              <a:pPr algn="ctr"/>
+              <a:r>
+                <a:rPr lang="en-US" sz="1500" dirty="0">
+                  <a:solidFill>
+                    <a:sysClr val="windowText" lastClr="000000"/>
+                  </a:solidFill>
+                  <a:latin typeface="Arial"/>
+                  <a:cs typeface="Arial"/>
+                </a:rPr>
+                <a:t>P4</a:t>
+              </a:r>
+            </a:p>
+          </p:txBody>
+        </p:sp>
+        <p:sp>
+          <p:nvSpPr>
+            <p:cNvPr id="152" name="TextBox 151"/>
+            <p:cNvSpPr txBox="1"/>
+            <p:nvPr/>
+          </p:nvSpPr>
+          <p:spPr>
+            <a:xfrm>
+              <a:off x="1159393" y="3395610"/>
+              <a:ext cx="3111784" cy="299578"/>
+            </a:xfrm>
+            <a:prstGeom prst="rect">
+              <a:avLst/>
+            </a:prstGeom>
+            <a:noFill/>
+          </p:spPr>
+          <p:txBody>
+            <a:bodyPr wrap="none" rtlCol="0">
+              <a:spAutoFit/>
+            </a:bodyPr>
+            <a:lstStyle/>
+            <a:p>
+              <a:r>
+                <a:rPr lang="en-US" sz="1500" i="1" dirty="0"/>
+                <a:t>c. Initial storage layout after data movement settled</a:t>
+              </a:r>
+              <a:endParaRPr lang="en-US" sz="1500" i="1" dirty="0"/>
+            </a:p>
+          </p:txBody>
+        </p:sp>
+      </p:grpSp>
+      <p:grpSp>
+        <p:nvGrpSpPr>
+          <p:cNvPr id="153" name="Group 152"/>
+          <p:cNvGrpSpPr/>
+          <p:nvPr/>
+        </p:nvGrpSpPr>
+        <p:grpSpPr>
+          <a:xfrm>
+            <a:off x="3336948" y="4947649"/>
+            <a:ext cx="4532514" cy="1450908"/>
+            <a:chOff x="634973" y="4576699"/>
+            <a:chExt cx="3323844" cy="1345012"/>
+          </a:xfrm>
+        </p:grpSpPr>
+        <p:sp>
+          <p:nvSpPr>
+            <p:cNvPr id="154" name="Rectangle 153"/>
+            <p:cNvSpPr/>
+            <p:nvPr/>
+          </p:nvSpPr>
+          <p:spPr>
+            <a:xfrm>
+              <a:off x="664533" y="4909489"/>
+              <a:ext cx="274320" cy="329184"/>
+            </a:xfrm>
+            <a:prstGeom prst="rect">
+              <a:avLst/>
+            </a:prstGeom>
+          </p:spPr>
+          <p:style>
+            <a:lnRef idx="2">
+              <a:schemeClr val="dk1"/>
+            </a:lnRef>
+            <a:fillRef idx="1">
+              <a:schemeClr val="lt1"/>
+            </a:fillRef>
+            <a:effectRef idx="0">
+              <a:schemeClr val="dk1"/>
+            </a:effectRef>
+            <a:fontRef idx="minor">
+              <a:schemeClr val="dk1"/>
+            </a:fontRef>
+          </p:style>
+          <p:txBody>
+            <a:bodyPr lIns="0" rIns="0" rtlCol="0" anchor="ctr"/>
+            <a:lstStyle/>
+            <a:p>
+              <a:pPr algn="ctr"/>
+              <a:r>
+                <a:rPr lang="en-US" sz="1500" dirty="0">
+                  <a:solidFill>
+                    <a:sysClr val="windowText" lastClr="000000"/>
+                  </a:solidFill>
+                  <a:latin typeface="Arial"/>
+                  <a:cs typeface="Arial"/>
+                </a:rPr>
+                <a:t>P1</a:t>
+              </a:r>
+            </a:p>
+          </p:txBody>
+        </p:sp>
+        <p:sp>
+          <p:nvSpPr>
+            <p:cNvPr id="155" name="Rectangle 154"/>
+            <p:cNvSpPr/>
+            <p:nvPr/>
+          </p:nvSpPr>
+          <p:spPr>
+            <a:xfrm>
+              <a:off x="945431" y="4909489"/>
+              <a:ext cx="292608" cy="329184"/>
+            </a:xfrm>
+            <a:prstGeom prst="rect">
+              <a:avLst/>
+            </a:prstGeom>
+          </p:spPr>
+          <p:style>
+            <a:lnRef idx="2">
+              <a:schemeClr val="accent1"/>
+            </a:lnRef>
+            <a:fillRef idx="1">
+              <a:schemeClr val="lt1"/>
+            </a:fillRef>
+            <a:effectRef idx="0">
+              <a:schemeClr val="accent1"/>
+            </a:effectRef>
+            <a:fontRef idx="minor">
+              <a:schemeClr val="dk1"/>
+            </a:fontRef>
+          </p:style>
+          <p:txBody>
+            <a:bodyPr lIns="0" rIns="0" rtlCol="0" anchor="ctr"/>
+            <a:lstStyle/>
+            <a:p>
+              <a:pPr algn="ctr"/>
+              <a:r>
+                <a:rPr lang="en-US" sz="1500" dirty="0">
+                  <a:solidFill>
+                    <a:sysClr val="windowText" lastClr="000000"/>
+                  </a:solidFill>
+                  <a:latin typeface="Arial"/>
+                  <a:cs typeface="Arial"/>
+                </a:rPr>
+                <a:t>F1</a:t>
+              </a:r>
+            </a:p>
+          </p:txBody>
+        </p:sp>
+        <p:sp>
+          <p:nvSpPr>
+            <p:cNvPr id="156" name="Rectangle 155"/>
+            <p:cNvSpPr/>
+            <p:nvPr/>
+          </p:nvSpPr>
+          <p:spPr>
+            <a:xfrm>
+              <a:off x="1247594" y="4909489"/>
+              <a:ext cx="292608" cy="329184"/>
+            </a:xfrm>
+            <a:prstGeom prst="rect">
+              <a:avLst/>
+            </a:prstGeom>
+          </p:spPr>
+          <p:style>
+            <a:lnRef idx="2">
+              <a:schemeClr val="accent1"/>
+            </a:lnRef>
+            <a:fillRef idx="1">
+              <a:schemeClr val="lt1"/>
+            </a:fillRef>
+            <a:effectRef idx="0">
+              <a:schemeClr val="accent1"/>
+            </a:effectRef>
+            <a:fontRef idx="minor">
+              <a:schemeClr val="dk1"/>
+            </a:fontRef>
+          </p:style>
+          <p:txBody>
+            <a:bodyPr lIns="0" rIns="0" rtlCol="0" anchor="ctr"/>
+            <a:lstStyle/>
+            <a:p>
+              <a:pPr algn="ctr"/>
+              <a:r>
+                <a:rPr lang="en-US" sz="1500" dirty="0">
+                  <a:solidFill>
+                    <a:sysClr val="windowText" lastClr="000000"/>
+                  </a:solidFill>
+                  <a:latin typeface="Arial"/>
+                  <a:cs typeface="Arial"/>
+                </a:rPr>
+                <a:t>G1</a:t>
+              </a:r>
+            </a:p>
+          </p:txBody>
+        </p:sp>
+        <p:sp>
+          <p:nvSpPr>
+            <p:cNvPr id="157" name="Rectangle 156"/>
+            <p:cNvSpPr/>
+            <p:nvPr/>
+          </p:nvSpPr>
+          <p:spPr>
+            <a:xfrm>
+              <a:off x="1540202" y="4910969"/>
+              <a:ext cx="431674" cy="329184"/>
+            </a:xfrm>
+            <a:prstGeom prst="rect">
+              <a:avLst/>
+            </a:prstGeom>
+          </p:spPr>
+          <p:style>
+            <a:lnRef idx="2">
+              <a:schemeClr val="accent4"/>
+            </a:lnRef>
+            <a:fillRef idx="1">
+              <a:schemeClr val="lt1"/>
+            </a:fillRef>
+            <a:effectRef idx="0">
+              <a:schemeClr val="accent4"/>
+            </a:effectRef>
+            <a:fontRef idx="minor">
+              <a:schemeClr val="dk1"/>
+            </a:fontRef>
+          </p:style>
+          <p:txBody>
+            <a:bodyPr lIns="0" rIns="0" rtlCol="0" anchor="ctr"/>
+            <a:lstStyle/>
+            <a:p>
+              <a:pPr algn="ctr"/>
+              <a:r>
+                <a:rPr lang="en-US" sz="1500" dirty="0">
+                  <a:solidFill>
+                    <a:sysClr val="windowText" lastClr="000000"/>
+                  </a:solidFill>
+                  <a:latin typeface="Arial"/>
+                  <a:cs typeface="Arial"/>
+                </a:rPr>
+                <a:t>M1</a:t>
+              </a:r>
+            </a:p>
+          </p:txBody>
+        </p:sp>
+        <p:sp>
+          <p:nvSpPr>
+            <p:cNvPr id="159" name="Rectangle 158"/>
+            <p:cNvSpPr/>
+            <p:nvPr/>
+          </p:nvSpPr>
+          <p:spPr>
+            <a:xfrm>
+              <a:off x="1326365" y="5259331"/>
+              <a:ext cx="655490" cy="329184"/>
+            </a:xfrm>
+            <a:prstGeom prst="rect">
+              <a:avLst/>
+            </a:prstGeom>
+          </p:spPr>
+          <p:style>
+            <a:lnRef idx="2">
+              <a:schemeClr val="accent1"/>
+            </a:lnRef>
+            <a:fillRef idx="1">
+              <a:schemeClr val="lt1"/>
+            </a:fillRef>
+            <a:effectRef idx="0">
+              <a:schemeClr val="accent1"/>
+            </a:effectRef>
+            <a:fontRef idx="minor">
+              <a:schemeClr val="dk1"/>
+            </a:fontRef>
+          </p:style>
+          <p:txBody>
+            <a:bodyPr lIns="0" rIns="0" rtlCol="0" anchor="ctr"/>
+            <a:lstStyle/>
+            <a:p>
+              <a:pPr algn="ctr"/>
+              <a:r>
+                <a:rPr lang="en-US" sz="1500" dirty="0">
+                  <a:solidFill>
+                    <a:sysClr val="windowText" lastClr="000000"/>
+                  </a:solidFill>
+                  <a:latin typeface="Arial"/>
+                  <a:cs typeface="Arial"/>
+                </a:rPr>
+                <a:t>G2</a:t>
+              </a:r>
+            </a:p>
+          </p:txBody>
+        </p:sp>
+        <p:sp>
+          <p:nvSpPr>
+            <p:cNvPr id="160" name="Rectangle 159"/>
+            <p:cNvSpPr/>
+            <p:nvPr/>
+          </p:nvSpPr>
+          <p:spPr>
+            <a:xfrm>
+              <a:off x="1993183" y="5253501"/>
+              <a:ext cx="1246460" cy="329184"/>
+            </a:xfrm>
+            <a:prstGeom prst="rect">
+              <a:avLst/>
+            </a:prstGeom>
+          </p:spPr>
+          <p:style>
+            <a:lnRef idx="2">
+              <a:schemeClr val="accent4"/>
+            </a:lnRef>
+            <a:fillRef idx="1">
+              <a:schemeClr val="lt1"/>
+            </a:fillRef>
+            <a:effectRef idx="0">
+              <a:schemeClr val="accent4"/>
+            </a:effectRef>
+            <a:fontRef idx="minor">
+              <a:schemeClr val="dk1"/>
+            </a:fontRef>
+          </p:style>
+          <p:txBody>
+            <a:bodyPr lIns="0" rIns="0" rtlCol="0" anchor="ctr"/>
+            <a:lstStyle/>
+            <a:p>
+              <a:pPr algn="ctr"/>
+              <a:r>
+                <a:rPr lang="en-US" sz="1500" dirty="0">
+                  <a:solidFill>
+                    <a:sysClr val="windowText" lastClr="000000"/>
+                  </a:solidFill>
+                  <a:latin typeface="Arial"/>
+                  <a:cs typeface="Arial"/>
+                </a:rPr>
+                <a:t>M2</a:t>
+              </a:r>
+            </a:p>
+          </p:txBody>
+        </p:sp>
+        <p:sp>
+          <p:nvSpPr>
+            <p:cNvPr id="161" name="Rectangle 160"/>
+            <p:cNvSpPr/>
+            <p:nvPr/>
+          </p:nvSpPr>
+          <p:spPr>
+            <a:xfrm>
+              <a:off x="659547" y="5259331"/>
+              <a:ext cx="655490" cy="329184"/>
+            </a:xfrm>
+            <a:prstGeom prst="rect">
+              <a:avLst/>
+            </a:prstGeom>
+          </p:spPr>
+          <p:style>
+            <a:lnRef idx="2">
+              <a:schemeClr val="accent1"/>
+            </a:lnRef>
+            <a:fillRef idx="1">
+              <a:schemeClr val="lt1"/>
+            </a:fillRef>
+            <a:effectRef idx="0">
+              <a:schemeClr val="accent1"/>
+            </a:effectRef>
+            <a:fontRef idx="minor">
+              <a:schemeClr val="dk1"/>
+            </a:fontRef>
+          </p:style>
+          <p:txBody>
+            <a:bodyPr lIns="0" rIns="0" rtlCol="0" anchor="ctr"/>
+            <a:lstStyle/>
+            <a:p>
+              <a:pPr algn="ctr"/>
+              <a:r>
+                <a:rPr lang="en-US" sz="1500" dirty="0">
+                  <a:solidFill>
+                    <a:sysClr val="windowText" lastClr="000000"/>
+                  </a:solidFill>
+                  <a:latin typeface="Arial"/>
+                  <a:cs typeface="Arial"/>
+                </a:rPr>
+                <a:t>F2</a:t>
+              </a:r>
+            </a:p>
+          </p:txBody>
+        </p:sp>
+        <p:sp>
+          <p:nvSpPr>
+            <p:cNvPr id="162" name="Rectangle 161"/>
+            <p:cNvSpPr/>
+            <p:nvPr/>
+          </p:nvSpPr>
+          <p:spPr>
+            <a:xfrm>
+              <a:off x="664533" y="5588515"/>
+              <a:ext cx="951110" cy="329184"/>
+            </a:xfrm>
+            <a:prstGeom prst="rect">
+              <a:avLst/>
+            </a:prstGeom>
+          </p:spPr>
+          <p:style>
+            <a:lnRef idx="2">
+              <a:schemeClr val="dk1"/>
+            </a:lnRef>
+            <a:fillRef idx="1">
+              <a:schemeClr val="lt1"/>
+            </a:fillRef>
+            <a:effectRef idx="0">
+              <a:schemeClr val="dk1"/>
+            </a:effectRef>
+            <a:fontRef idx="minor">
+              <a:schemeClr val="dk1"/>
+            </a:fontRef>
+          </p:style>
+          <p:txBody>
+            <a:bodyPr lIns="0" rIns="0" rtlCol="0" anchor="ctr"/>
+            <a:lstStyle/>
+            <a:p>
+              <a:pPr algn="ctr"/>
+              <a:r>
+                <a:rPr lang="en-US" sz="1500" dirty="0">
+                  <a:solidFill>
+                    <a:sysClr val="windowText" lastClr="000000"/>
+                  </a:solidFill>
+                  <a:latin typeface="Arial"/>
+                  <a:cs typeface="Arial"/>
+                </a:rPr>
+                <a:t>P3</a:t>
+              </a:r>
+            </a:p>
+          </p:txBody>
+        </p:sp>
+        <p:sp>
+          <p:nvSpPr>
+            <p:cNvPr id="163" name="Rectangle 162"/>
+            <p:cNvSpPr/>
+            <p:nvPr/>
+          </p:nvSpPr>
+          <p:spPr>
+            <a:xfrm>
+              <a:off x="1624816" y="5588515"/>
+              <a:ext cx="1746504" cy="329184"/>
+            </a:xfrm>
+            <a:prstGeom prst="rect">
+              <a:avLst/>
+            </a:prstGeom>
+          </p:spPr>
+          <p:style>
+            <a:lnRef idx="2">
+              <a:schemeClr val="dk1"/>
+            </a:lnRef>
+            <a:fillRef idx="1">
+              <a:schemeClr val="lt1"/>
+            </a:fillRef>
+            <a:effectRef idx="0">
+              <a:schemeClr val="dk1"/>
+            </a:effectRef>
+            <a:fontRef idx="minor">
+              <a:schemeClr val="dk1"/>
+            </a:fontRef>
+          </p:style>
+          <p:txBody>
+            <a:bodyPr lIns="0" rIns="0" rtlCol="0" anchor="ctr"/>
+            <a:lstStyle/>
+            <a:p>
+              <a:pPr algn="ctr"/>
+              <a:r>
+                <a:rPr lang="en-US" sz="1500" dirty="0">
+                  <a:solidFill>
+                    <a:sysClr val="windowText" lastClr="000000"/>
+                  </a:solidFill>
+                  <a:latin typeface="Arial"/>
+                  <a:cs typeface="Arial"/>
+                </a:rPr>
+                <a:t>P4</a:t>
+              </a:r>
+            </a:p>
+          </p:txBody>
+        </p:sp>
+        <p:sp>
+          <p:nvSpPr>
+            <p:cNvPr id="164" name="TextBox 163"/>
+            <p:cNvSpPr txBox="1"/>
+            <p:nvPr/>
+          </p:nvSpPr>
+          <p:spPr>
+            <a:xfrm>
+              <a:off x="634973" y="4576699"/>
+              <a:ext cx="3177191" cy="299578"/>
+            </a:xfrm>
+            <a:prstGeom prst="rect">
+              <a:avLst/>
+            </a:prstGeom>
+            <a:noFill/>
+          </p:spPr>
+          <p:txBody>
+            <a:bodyPr wrap="none" rtlCol="0">
+              <a:spAutoFit/>
+            </a:bodyPr>
+            <a:lstStyle/>
+            <a:p>
+              <a:r>
+                <a:rPr lang="en-US" sz="1500" i="1" dirty="0"/>
+                <a:t>d. Storage layout at a later point in the data life-cycle</a:t>
+              </a:r>
+              <a:endParaRPr lang="en-US" sz="1500" i="1" dirty="0"/>
+            </a:p>
+          </p:txBody>
+        </p:sp>
+        <p:sp>
+          <p:nvSpPr>
+            <p:cNvPr id="165" name="Rectangle 164"/>
+            <p:cNvSpPr/>
+            <p:nvPr/>
+          </p:nvSpPr>
+          <p:spPr>
+            <a:xfrm>
+              <a:off x="3392354" y="5592527"/>
+              <a:ext cx="566463" cy="329184"/>
+            </a:xfrm>
+            <a:prstGeom prst="rect">
+              <a:avLst/>
+            </a:prstGeom>
+          </p:spPr>
+          <p:style>
+            <a:lnRef idx="2">
+              <a:schemeClr val="dk1"/>
+            </a:lnRef>
+            <a:fillRef idx="1">
+              <a:schemeClr val="lt1"/>
+            </a:fillRef>
+            <a:effectRef idx="0">
+              <a:schemeClr val="dk1"/>
+            </a:effectRef>
+            <a:fontRef idx="minor">
+              <a:schemeClr val="dk1"/>
+            </a:fontRef>
+          </p:style>
+          <p:txBody>
+            <a:bodyPr lIns="0" rIns="0" rtlCol="0" anchor="ctr"/>
+            <a:lstStyle/>
+            <a:p>
+              <a:pPr algn="ctr"/>
+              <a:r>
+                <a:rPr lang="en-US" sz="1500" dirty="0">
+                  <a:solidFill>
+                    <a:sysClr val="windowText" lastClr="000000"/>
+                  </a:solidFill>
+                  <a:latin typeface="Arial"/>
+                  <a:cs typeface="Arial"/>
+                </a:rPr>
+                <a:t>P2</a:t>
+              </a:r>
+            </a:p>
+          </p:txBody>
+        </p:sp>
+      </p:grpSp>
+      <p:sp>
+        <p:nvSpPr>
+          <p:cNvPr id="2" name="TextBox 1"/>
+          <p:cNvSpPr txBox="1"/>
+          <p:nvPr/>
+        </p:nvSpPr>
+        <p:spPr>
+          <a:xfrm>
+            <a:off x="2271763" y="3556205"/>
+            <a:ext cx="925318" cy="302262"/>
+          </a:xfrm>
+          <a:prstGeom prst="rect">
+            <a:avLst/>
+          </a:prstGeom>
+          <a:noFill/>
+        </p:spPr>
+        <p:txBody>
+          <a:bodyPr wrap="none" rtlCol="0">
+            <a:spAutoFit/>
+          </a:bodyPr>
+          <a:lstStyle/>
+          <a:p>
+            <a:pPr algn="r"/>
+            <a:r>
+              <a:rPr lang="en-US" sz="1364" b="1" dirty="0"/>
+              <a:t>Parallel FS</a:t>
+            </a:r>
+            <a:endParaRPr lang="en-US" sz="1364" b="1" dirty="0"/>
+          </a:p>
+        </p:txBody>
+      </p:sp>
+      <p:sp>
+        <p:nvSpPr>
+          <p:cNvPr id="51" name="TextBox 50"/>
+          <p:cNvSpPr txBox="1"/>
+          <p:nvPr/>
+        </p:nvSpPr>
+        <p:spPr>
+          <a:xfrm>
+            <a:off x="2287859" y="3942753"/>
+            <a:ext cx="909223" cy="302262"/>
+          </a:xfrm>
+          <a:prstGeom prst="rect">
+            <a:avLst/>
+          </a:prstGeom>
+          <a:noFill/>
+        </p:spPr>
+        <p:txBody>
+          <a:bodyPr wrap="none" rtlCol="0">
+            <a:spAutoFit/>
+          </a:bodyPr>
+          <a:lstStyle/>
+          <a:p>
+            <a:pPr algn="r"/>
+            <a:r>
+              <a:rPr lang="en-US" sz="1364" b="1" dirty="0"/>
+              <a:t>Campaign</a:t>
+            </a:r>
+            <a:endParaRPr lang="en-US" sz="1364" b="1" dirty="0"/>
+          </a:p>
+        </p:txBody>
+      </p:sp>
+      <p:sp>
+        <p:nvSpPr>
+          <p:cNvPr id="52" name="TextBox 51"/>
+          <p:cNvSpPr txBox="1"/>
+          <p:nvPr/>
+        </p:nvSpPr>
+        <p:spPr>
+          <a:xfrm>
+            <a:off x="2261313" y="4332434"/>
+            <a:ext cx="935769" cy="302262"/>
+          </a:xfrm>
+          <a:prstGeom prst="rect">
+            <a:avLst/>
+          </a:prstGeom>
+          <a:noFill/>
+        </p:spPr>
+        <p:txBody>
+          <a:bodyPr wrap="none" rtlCol="0">
+            <a:spAutoFit/>
+          </a:bodyPr>
+          <a:lstStyle/>
+          <a:p>
+            <a:pPr algn="r"/>
+            <a:r>
+              <a:rPr lang="en-US" sz="1364" b="1" dirty="0"/>
+              <a:t>Long Term</a:t>
+            </a:r>
+            <a:endParaRPr lang="en-US" sz="1364" b="1" dirty="0"/>
+          </a:p>
+        </p:txBody>
+      </p:sp>
+      <p:sp>
+        <p:nvSpPr>
+          <p:cNvPr id="53" name="TextBox 52"/>
+          <p:cNvSpPr txBox="1"/>
+          <p:nvPr/>
+        </p:nvSpPr>
+        <p:spPr>
+          <a:xfrm>
+            <a:off x="2271763" y="5289288"/>
+            <a:ext cx="925318" cy="302262"/>
+          </a:xfrm>
+          <a:prstGeom prst="rect">
+            <a:avLst/>
+          </a:prstGeom>
+          <a:noFill/>
+        </p:spPr>
+        <p:txBody>
+          <a:bodyPr wrap="none" rtlCol="0">
+            <a:spAutoFit/>
+          </a:bodyPr>
+          <a:lstStyle/>
+          <a:p>
+            <a:pPr algn="r"/>
+            <a:r>
+              <a:rPr lang="en-US" sz="1364" b="1" dirty="0"/>
+              <a:t>Parallel FS</a:t>
+            </a:r>
+            <a:endParaRPr lang="en-US" sz="1364" b="1" dirty="0"/>
+          </a:p>
+        </p:txBody>
+      </p:sp>
+      <p:sp>
+        <p:nvSpPr>
+          <p:cNvPr id="54" name="TextBox 53"/>
+          <p:cNvSpPr txBox="1"/>
+          <p:nvPr/>
+        </p:nvSpPr>
+        <p:spPr>
+          <a:xfrm>
+            <a:off x="2287859" y="5664734"/>
+            <a:ext cx="909223" cy="302262"/>
+          </a:xfrm>
+          <a:prstGeom prst="rect">
+            <a:avLst/>
+          </a:prstGeom>
+          <a:noFill/>
+        </p:spPr>
+        <p:txBody>
+          <a:bodyPr wrap="none" rtlCol="0">
+            <a:spAutoFit/>
+          </a:bodyPr>
+          <a:lstStyle/>
+          <a:p>
+            <a:pPr algn="r"/>
+            <a:r>
+              <a:rPr lang="en-US" sz="1364" b="1" dirty="0"/>
+              <a:t>Campaign</a:t>
+            </a:r>
+            <a:endParaRPr lang="en-US" sz="1364" b="1" dirty="0"/>
+          </a:p>
+        </p:txBody>
+      </p:sp>
+      <p:sp>
+        <p:nvSpPr>
+          <p:cNvPr id="55" name="TextBox 54"/>
+          <p:cNvSpPr txBox="1"/>
+          <p:nvPr/>
+        </p:nvSpPr>
+        <p:spPr>
+          <a:xfrm>
+            <a:off x="2261313" y="6010009"/>
+            <a:ext cx="935769" cy="302262"/>
+          </a:xfrm>
+          <a:prstGeom prst="rect">
+            <a:avLst/>
+          </a:prstGeom>
+          <a:noFill/>
+        </p:spPr>
+        <p:txBody>
+          <a:bodyPr wrap="none" rtlCol="0">
+            <a:spAutoFit/>
+          </a:bodyPr>
+          <a:lstStyle/>
+          <a:p>
+            <a:pPr algn="r"/>
+            <a:r>
+              <a:rPr lang="en-US" sz="1364" b="1" dirty="0"/>
+              <a:t>Long Term</a:t>
+            </a:r>
+            <a:endParaRPr lang="en-US" sz="1364" b="1" dirty="0"/>
+          </a:p>
+        </p:txBody>
+      </p:sp>
+      <p:cxnSp>
+        <p:nvCxnSpPr>
+          <p:cNvPr id="4" name="Straight Connector 3"/>
+          <p:cNvCxnSpPr/>
+          <p:nvPr/>
+        </p:nvCxnSpPr>
+        <p:spPr>
+          <a:xfrm>
+            <a:off x="2175822" y="3292901"/>
+            <a:ext cx="5898537" cy="0"/>
+          </a:xfrm>
+          <a:prstGeom prst="line">
+            <a:avLst/>
+          </a:prstGeom>
+          <a:ln>
+            <a:solidFill>
+              <a:schemeClr val="bg1">
+                <a:lumMod val="85000"/>
+              </a:schemeClr>
+            </a:solidFill>
+          </a:ln>
+          <a:effectLst/>
+        </p:spPr>
+        <p:style>
+          <a:lnRef idx="2">
+            <a:schemeClr val="accent1"/>
+          </a:lnRef>
+          <a:fillRef idx="0">
+            <a:schemeClr val="accent1"/>
+          </a:fillRef>
+          <a:effectRef idx="1">
+            <a:schemeClr val="accent1"/>
+          </a:effectRef>
+          <a:fontRef idx="minor">
+            <a:schemeClr val="tx1"/>
+          </a:fontRef>
+        </p:style>
+      </p:cxnSp>
+      <p:cxnSp>
+        <p:nvCxnSpPr>
+          <p:cNvPr id="58" name="Straight Connector 57"/>
+          <p:cNvCxnSpPr/>
+          <p:nvPr/>
+        </p:nvCxnSpPr>
+        <p:spPr>
+          <a:xfrm>
+            <a:off x="2175822" y="4910002"/>
+            <a:ext cx="5898537" cy="0"/>
+          </a:xfrm>
+          <a:prstGeom prst="line">
+            <a:avLst/>
+          </a:prstGeom>
+          <a:ln>
+            <a:solidFill>
+              <a:schemeClr val="bg1">
+                <a:lumMod val="85000"/>
+              </a:schemeClr>
+            </a:solidFill>
+          </a:ln>
+          <a:effectLst/>
+        </p:spPr>
+        <p:style>
+          <a:lnRef idx="2">
+            <a:schemeClr val="accent1"/>
+          </a:lnRef>
+          <a:fillRef idx="0">
+            <a:schemeClr val="accent1"/>
+          </a:fillRef>
+          <a:effectRef idx="1">
+            <a:schemeClr val="accent1"/>
+          </a:effectRef>
+          <a:fontRef idx="minor">
+            <a:schemeClr val="tx1"/>
+          </a:fontRef>
+        </p:style>
+      </p:cxnSp>
+      <p:sp>
+        <p:nvSpPr>
+          <p:cNvPr id="56" name="TextBox 55"/>
+          <p:cNvSpPr txBox="1"/>
+          <p:nvPr/>
+        </p:nvSpPr>
+        <p:spPr>
+          <a:xfrm>
+            <a:off x="3336948" y="2000738"/>
+            <a:ext cx="3240802" cy="323165"/>
+          </a:xfrm>
+          <a:prstGeom prst="rect">
+            <a:avLst/>
+          </a:prstGeom>
+          <a:noFill/>
+        </p:spPr>
+        <p:txBody>
+          <a:bodyPr wrap="square" rtlCol="0">
+            <a:spAutoFit/>
+          </a:bodyPr>
+          <a:lstStyle/>
+          <a:p>
+            <a:r>
+              <a:rPr lang="en-US" sz="1500" i="1" dirty="0"/>
+              <a:t>b. Refactored and </a:t>
+            </a:r>
+            <a:r>
+              <a:rPr lang="en-US" sz="1500" i="1" dirty="0"/>
+              <a:t>r</a:t>
+            </a:r>
+            <a:r>
+              <a:rPr lang="en-US" sz="1500" i="1" dirty="0"/>
+              <a:t>educed data</a:t>
+            </a:r>
+            <a:endParaRPr lang="en-US" sz="1500" i="1" dirty="0"/>
+          </a:p>
+        </p:txBody>
+      </p:sp>
+      <p:cxnSp>
+        <p:nvCxnSpPr>
+          <p:cNvPr id="57" name="Straight Connector 56"/>
+          <p:cNvCxnSpPr/>
+          <p:nvPr/>
+        </p:nvCxnSpPr>
+        <p:spPr>
+          <a:xfrm flipV="1">
+            <a:off x="2175822" y="2014857"/>
+            <a:ext cx="5898537" cy="28238"/>
+          </a:xfrm>
+          <a:prstGeom prst="line">
+            <a:avLst/>
+          </a:prstGeom>
+          <a:ln>
+            <a:solidFill>
+              <a:schemeClr val="bg1">
+                <a:lumMod val="85000"/>
+              </a:schemeClr>
+            </a:solidFill>
+          </a:ln>
+          <a:effectLst/>
+        </p:spPr>
+        <p:style>
+          <a:lnRef idx="2">
+            <a:schemeClr val="accent1"/>
+          </a:lnRef>
+          <a:fillRef idx="0">
+            <a:schemeClr val="accent1"/>
+          </a:fillRef>
+          <a:effectRef idx="1">
+            <a:schemeClr val="accent1"/>
+          </a:effectRef>
+          <a:fontRef idx="minor">
+            <a:schemeClr val="tx1"/>
+          </a:fontRef>
+        </p:style>
+      </p:cxnSp>
+      <p:sp>
+        <p:nvSpPr>
+          <p:cNvPr id="59" name="TextBox 58"/>
+          <p:cNvSpPr txBox="1"/>
+          <p:nvPr/>
+        </p:nvSpPr>
+        <p:spPr>
+          <a:xfrm>
+            <a:off x="2179880" y="2505723"/>
+            <a:ext cx="1017202" cy="512191"/>
+          </a:xfrm>
+          <a:prstGeom prst="rect">
+            <a:avLst/>
+          </a:prstGeom>
+          <a:noFill/>
+        </p:spPr>
+        <p:txBody>
+          <a:bodyPr wrap="none" rtlCol="0">
+            <a:spAutoFit/>
+          </a:bodyPr>
+          <a:lstStyle/>
+          <a:p>
+            <a:pPr algn="r"/>
+            <a:r>
+              <a:rPr lang="en-US" sz="1364" b="1" dirty="0"/>
+              <a:t>Application</a:t>
+            </a:r>
+          </a:p>
+          <a:p>
+            <a:pPr algn="r"/>
+            <a:r>
+              <a:rPr lang="en-US" sz="1364" b="1" dirty="0"/>
+              <a:t>Memory</a:t>
+            </a:r>
+            <a:endParaRPr lang="en-US" sz="1364" b="1" dirty="0"/>
+          </a:p>
+        </p:txBody>
+      </p:sp>
+      <p:sp>
+        <p:nvSpPr>
+          <p:cNvPr id="60" name="TextBox 59"/>
+          <p:cNvSpPr txBox="1"/>
+          <p:nvPr/>
+        </p:nvSpPr>
+        <p:spPr>
+          <a:xfrm>
+            <a:off x="2179880" y="1167223"/>
+            <a:ext cx="1017202" cy="512191"/>
+          </a:xfrm>
+          <a:prstGeom prst="rect">
+            <a:avLst/>
+          </a:prstGeom>
+          <a:noFill/>
+        </p:spPr>
+        <p:txBody>
+          <a:bodyPr wrap="none" rtlCol="0">
+            <a:spAutoFit/>
+          </a:bodyPr>
+          <a:lstStyle/>
+          <a:p>
+            <a:pPr algn="r"/>
+            <a:r>
+              <a:rPr lang="en-US" sz="1364" b="1" dirty="0"/>
+              <a:t>Application</a:t>
+            </a:r>
+          </a:p>
+          <a:p>
+            <a:pPr algn="r"/>
+            <a:r>
+              <a:rPr lang="en-US" sz="1364" b="1" dirty="0"/>
+              <a:t>Memory</a:t>
+            </a:r>
+            <a:endParaRPr lang="en-US" sz="1364" b="1" dirty="0"/>
+          </a:p>
+        </p:txBody>
+      </p:sp>
+      <p:sp>
+        <p:nvSpPr>
+          <p:cNvPr id="61" name="TextBox 60"/>
+          <p:cNvSpPr txBox="1"/>
+          <p:nvPr/>
+        </p:nvSpPr>
+        <p:spPr>
+          <a:xfrm>
+            <a:off x="3345551" y="713232"/>
+            <a:ext cx="3240802" cy="323165"/>
+          </a:xfrm>
+          <a:prstGeom prst="rect">
+            <a:avLst/>
+          </a:prstGeom>
+          <a:noFill/>
+        </p:spPr>
+        <p:txBody>
+          <a:bodyPr wrap="square" rtlCol="0">
+            <a:spAutoFit/>
+          </a:bodyPr>
+          <a:lstStyle/>
+          <a:p>
+            <a:r>
+              <a:rPr lang="en-US" sz="1500" i="1" dirty="0"/>
+              <a:t>a. Original memory arrangement</a:t>
+            </a:r>
+            <a:endParaRPr lang="en-US" sz="1500" i="1" dirty="0"/>
+          </a:p>
+        </p:txBody>
+      </p:sp>
+      <p:sp>
+        <p:nvSpPr>
+          <p:cNvPr id="3" name="Title 2"/>
+          <p:cNvSpPr>
+            <a:spLocks noGrp="1"/>
+          </p:cNvSpPr>
+          <p:nvPr>
+            <p:ph type="title"/>
+          </p:nvPr>
+        </p:nvSpPr>
+        <p:spPr/>
+        <p:txBody>
+          <a:bodyPr/>
+          <a:lstStyle/>
+          <a:p>
+            <a:r>
+              <a:rPr lang="en-US" dirty="0" smtClean="0"/>
+              <a:t>Memory/Storage arrangement</a:t>
+            </a:r>
+            <a:endParaRPr lang="en-US" dirty="0"/>
+          </a:p>
+        </p:txBody>
+      </p:sp>
+    </p:spTree>
+    <p:extLst>
+      <p:ext uri="{BB962C8B-B14F-4D97-AF65-F5344CB8AC3E}">
+        <p14:creationId xmlns:p14="http://schemas.microsoft.com/office/powerpoint/2010/main" val="3691769392"/>
+      </p:ext>
+    </p:extLst>
+  </p:cSld>
+  <p:clrMapOvr>
+    <a:masterClrMapping/>
+  </p:clrMapOvr>
+  <p:timing>
+    <p:tnLst>
+      <p:par>
+        <p:cTn id="1" dur="indefinite" restart="never" nodeType="tmRoot"/>
+      </p:par>
+    </p:tnLst>
+  </p:timing>
+</p:sld>
+</file>
+
+<file path=ppt/slides/slide8.xml><?xml version="1.0" encoding="utf-8"?>
+<p:sld xmlns:a="http://schemas.openxmlformats.org/drawingml/2006/main" xmlns:r="http://schemas.openxmlformats.org/officeDocument/2006/relationships" xmlns:p="http://schemas.openxmlformats.org/presentationml/2006/main">
+  <p:cSld>
+    <p:spTree>
+      <p:nvGrpSpPr>
+        <p:cNvPr id="1" name=""/>
+        <p:cNvGrpSpPr/>
+        <p:nvPr/>
+      </p:nvGrpSpPr>
+      <p:grpSpPr>
+        <a:xfrm>
+          <a:off x="0" y="0"/>
+          <a:ext cx="0" cy="0"/>
+          <a:chOff x="0" y="0"/>
+          <a:chExt cx="0" cy="0"/>
+        </a:xfrm>
+      </p:grpSpPr>
+      <p:sp>
+        <p:nvSpPr>
+          <p:cNvPr id="2" name="Title 1"/>
+          <p:cNvSpPr>
+            <a:spLocks noGrp="1"/>
+          </p:cNvSpPr>
+          <p:nvPr>
+            <p:ph type="title"/>
+          </p:nvPr>
+        </p:nvSpPr>
+        <p:spPr/>
+        <p:txBody>
+          <a:bodyPr/>
+          <a:lstStyle/>
+          <a:p>
+            <a:r>
+              <a:rPr lang="en-US" dirty="0" smtClean="0"/>
+              <a:t>Goals</a:t>
+            </a:r>
+            <a:endParaRPr lang="en-US" dirty="0"/>
+          </a:p>
+        </p:txBody>
+      </p:sp>
+      <p:sp>
+        <p:nvSpPr>
+          <p:cNvPr id="3" name="Content Placeholder 2"/>
+          <p:cNvSpPr>
+            <a:spLocks noGrp="1"/>
+          </p:cNvSpPr>
+          <p:nvPr>
+            <p:ph idx="1"/>
+          </p:nvPr>
+        </p:nvSpPr>
+        <p:spPr/>
+        <p:txBody>
+          <a:bodyPr>
+            <a:normAutofit lnSpcReduction="10000"/>
+          </a:bodyPr>
+          <a:lstStyle/>
+          <a:p>
+            <a:r>
+              <a:rPr lang="en-US" dirty="0" smtClean="0"/>
+              <a:t>I/O needs a new set of APIS to allow users the ability to</a:t>
+            </a:r>
+          </a:p>
+          <a:p>
+            <a:pPr lvl="1"/>
+            <a:r>
+              <a:rPr lang="en-US" dirty="0" smtClean="0"/>
+              <a:t>Tell the SSIO what is important</a:t>
+            </a:r>
+          </a:p>
+          <a:p>
+            <a:pPr lvl="1"/>
+            <a:r>
+              <a:rPr lang="en-US" dirty="0" smtClean="0"/>
+              <a:t>Lifetime of the pieces</a:t>
+            </a:r>
+          </a:p>
+          <a:p>
+            <a:pPr lvl="1"/>
+            <a:r>
+              <a:rPr lang="en-US" dirty="0" smtClean="0"/>
+              <a:t>Time before useless</a:t>
+            </a:r>
+          </a:p>
+          <a:p>
+            <a:r>
+              <a:rPr lang="en-US" dirty="0" smtClean="0"/>
+              <a:t>SSIO needs a new layer to allow “Big Data” to become usable again</a:t>
+            </a:r>
+          </a:p>
+          <a:p>
+            <a:pPr lvl="1"/>
+            <a:r>
+              <a:rPr lang="en-US" dirty="0" smtClean="0"/>
+              <a:t>Remove the “Art” of doing data management</a:t>
+            </a:r>
+          </a:p>
+          <a:p>
+            <a:pPr lvl="1"/>
+            <a:r>
+              <a:rPr lang="en-US" dirty="0" smtClean="0"/>
+              <a:t>Predictable Performance vs. accuracy</a:t>
+            </a:r>
+          </a:p>
+          <a:p>
+            <a:r>
+              <a:rPr lang="en-US" dirty="0" smtClean="0"/>
+              <a:t>Our goal is to build a prototype but keep important users as our stakeholders</a:t>
+            </a:r>
+          </a:p>
+          <a:p>
+            <a:pPr lvl="1"/>
+            <a:r>
+              <a:rPr lang="en-US" dirty="0" smtClean="0"/>
+              <a:t>Talk to our users </a:t>
+            </a:r>
+            <a:r>
+              <a:rPr lang="en-US" dirty="0" smtClean="0">
+                <a:sym typeface="Wingdings" panose="05000000000000000000" pitchFamily="2" charset="2"/>
+              </a:rPr>
+              <a:t> try to get funding for our users to work with us</a:t>
+            </a:r>
+          </a:p>
+          <a:p>
+            <a:r>
+              <a:rPr lang="en-US" dirty="0" smtClean="0">
+                <a:sym typeface="Wingdings" panose="05000000000000000000" pitchFamily="2" charset="2"/>
+              </a:rPr>
+              <a:t>We want to fundamentally change the nature of SSIO for the HPC community</a:t>
+            </a:r>
+            <a:endParaRPr lang="en-US" dirty="0"/>
+          </a:p>
+        </p:txBody>
+      </p:sp>
+    </p:spTree>
+    <p:extLst>
+      <p:ext uri="{BB962C8B-B14F-4D97-AF65-F5344CB8AC3E}">
+        <p14:creationId xmlns:p14="http://schemas.microsoft.com/office/powerpoint/2010/main" val="1821789313"/>
+      </p:ext>
+    </p:extLst>
+  </p:cSld>
+  <p:clrMapOvr>
+    <a:masterClrMapping/>
+  </p:clrMapOvr>
+</p:sld>
+</file>
+
+<file path=ppt/slides/slide9.xml><?xml version="1.0" encoding="utf-8"?>
+<p:sld xmlns:a="http://schemas.openxmlformats.org/drawingml/2006/main" xmlns:r="http://schemas.openxmlformats.org/officeDocument/2006/relationships" xmlns:p="http://schemas.openxmlformats.org/presentationml/2006/main">
+  <p:cSld>
+    <p:spTree>
+      <p:nvGrpSpPr>
+        <p:cNvPr id="1" name=""/>
+        <p:cNvGrpSpPr/>
+        <p:nvPr/>
+      </p:nvGrpSpPr>
+      <p:grpSpPr>
+        <a:xfrm>
+          <a:off x="0" y="0"/>
+          <a:ext cx="0" cy="0"/>
+          <a:chOff x="0" y="0"/>
+          <a:chExt cx="0" cy="0"/>
+        </a:xfrm>
+      </p:grpSpPr>
+      <p:sp>
+        <p:nvSpPr>
+          <p:cNvPr id="2" name="Title 1"/>
+          <p:cNvSpPr>
+            <a:spLocks noGrp="1"/>
+          </p:cNvSpPr>
+          <p:nvPr>
+            <p:ph type="title"/>
+          </p:nvPr>
+        </p:nvSpPr>
+        <p:spPr/>
+        <p:txBody>
+          <a:bodyPr/>
+          <a:lstStyle/>
+          <a:p>
+            <a:r>
+              <a:rPr lang="en-US" dirty="0" smtClean="0"/>
+              <a:t>Research Questions are paramount</a:t>
+            </a:r>
+            <a:endParaRPr lang="en-US" dirty="0"/>
+          </a:p>
+        </p:txBody>
+      </p:sp>
+      <p:sp>
+        <p:nvSpPr>
+          <p:cNvPr id="3" name="Content Placeholder 2"/>
+          <p:cNvSpPr>
+            <a:spLocks noGrp="1"/>
+          </p:cNvSpPr>
+          <p:nvPr>
+            <p:ph idx="1"/>
+          </p:nvPr>
+        </p:nvSpPr>
+        <p:spPr/>
+        <p:txBody>
+          <a:bodyPr/>
+          <a:lstStyle/>
+          <a:p>
+            <a:r>
+              <a:rPr lang="en-US" dirty="0" smtClean="0"/>
+              <a:t>Focus on questions:</a:t>
+            </a:r>
+          </a:p>
+          <a:p>
+            <a:pPr lvl="1"/>
+            <a:r>
+              <a:rPr lang="en-US" dirty="0" smtClean="0"/>
+              <a:t>What abstractions can be used to describe data utility and how can they be executed in the SSIO layer?</a:t>
+            </a:r>
+          </a:p>
+          <a:p>
+            <a:pPr lvl="1"/>
+            <a:r>
+              <a:rPr lang="en-US" dirty="0" smtClean="0"/>
+              <a:t>Can we expedite the time to solution (of analysis) by placing variables in multiple layers of the storage hierarchy? Does this slow down writing, reading? Speed up by X%, reduce storage in higher layers by Y%?</a:t>
+            </a:r>
+          </a:p>
+          <a:p>
+            <a:pPr lvl="1"/>
+            <a:r>
+              <a:rPr lang="en-US" dirty="0" smtClean="0"/>
+              <a:t>Can we trade accuracy for performance and give “reasonable” bounds?</a:t>
+            </a:r>
+            <a:endParaRPr lang="en-US" dirty="0"/>
+          </a:p>
+        </p:txBody>
+      </p:sp>
+    </p:spTree>
+    <p:extLst>
+      <p:ext uri="{BB962C8B-B14F-4D97-AF65-F5344CB8AC3E}">
+        <p14:creationId xmlns:p14="http://schemas.microsoft.com/office/powerpoint/2010/main" val="3467907347"/>
       </p:ext>
     </p:extLst>
   </p:cSld>
